--- a/presentations/11-API-Management.pptx
+++ b/presentations/11-API-Management.pptx
@@ -5,8 +5,25 @@
     <p:sldMasterId id="2147483648" r:id="rId1"/>
   </p:sldMasterIdLst>
   <p:notesMasterIdLst>
-    <p:notesMasterId r:id="rId2"/>
+    <p:notesMasterId r:id="rId17"/>
   </p:notesMasterIdLst>
+  <p:sldIdLst>
+    <p:sldId id="256" r:id="rId2"/>
+    <p:sldId id="266" r:id="rId3"/>
+    <p:sldId id="257" r:id="rId4"/>
+    <p:sldId id="261" r:id="rId5"/>
+    <p:sldId id="262" r:id="rId6"/>
+    <p:sldId id="263" r:id="rId7"/>
+    <p:sldId id="264" r:id="rId8"/>
+    <p:sldId id="265" r:id="rId9"/>
+    <p:sldId id="267" r:id="rId10"/>
+    <p:sldId id="258" r:id="rId11"/>
+    <p:sldId id="259" r:id="rId12"/>
+    <p:sldId id="260" r:id="rId13"/>
+    <p:sldId id="268" r:id="rId14"/>
+    <p:sldId id="269" r:id="rId15"/>
+    <p:sldId id="270" r:id="rId16"/>
+  </p:sldIdLst>
   <p:sldSz cx="9144000" cy="6858000" type="screen4x3"/>
   <p:notesSz cx="6858000" cy="9144000"/>
   <p:defaultTextStyle>
@@ -465,6 +482,860 @@
     </a:lvl9pPr>
   </p:notesStyle>
 </p:notesMaster>
+</file>
+
+<file path=ppt/notesSlides/notesSlide1.xml><?xml version="1.0" encoding="utf-8"?>
+<p:notes xmlns:a="http://schemas.openxmlformats.org/drawingml/2006/main" xmlns:r="http://schemas.openxmlformats.org/officeDocument/2006/relationships" xmlns:p="http://schemas.openxmlformats.org/presentationml/2006/main">
+  <p:cSld>
+    <p:spTree>
+      <p:nvGrpSpPr>
+        <p:cNvPr id="1" name=""/>
+        <p:cNvGrpSpPr/>
+        <p:nvPr/>
+      </p:nvGrpSpPr>
+      <p:grpSpPr>
+        <a:xfrm>
+          <a:off x="0" y="0"/>
+          <a:ext cx="0" cy="0"/>
+          <a:chOff x="0" y="0"/>
+          <a:chExt cx="0" cy="0"/>
+        </a:xfrm>
+      </p:grpSpPr>
+      <p:sp>
+        <p:nvSpPr>
+          <p:cNvPr id="20481" name="Slide Image Placeholder 1"/>
+          <p:cNvSpPr>
+            <a:spLocks noGrp="1" noRot="1" noChangeAspect="1"/>
+          </p:cNvSpPr>
+          <p:nvPr>
+            <p:ph type="sldImg"/>
+          </p:nvPr>
+        </p:nvSpPr>
+        <p:spPr bwMode="auto">
+          <a:noFill/>
+          <a:ln>
+            <a:solidFill>
+              <a:srgbClr val="000000"/>
+            </a:solidFill>
+            <a:miter lim="800000"/>
+            <a:headEnd/>
+            <a:tailEnd/>
+          </a:ln>
+          <a:extLst>
+            <a:ext uri="{909E8E84-426E-40dd-AFC4-6F175D3DCCD1}">
+              <a14:hiddenFill xmlns:a14="http://schemas.microsoft.com/office/drawing/2010/main">
+                <a:solidFill>
+                  <a:srgbClr val="FFFFFF"/>
+                </a:solidFill>
+              </a14:hiddenFill>
+            </a:ext>
+            <a:ext uri="{FAA26D3D-D897-4be2-8F04-BA451C77F1D7}">
+              <ma14:placeholderFlag xmlns:ma14="http://schemas.microsoft.com/office/mac/drawingml/2011/main" val="1"/>
+            </a:ext>
+          </a:extLst>
+        </p:spPr>
+      </p:sp>
+      <p:sp>
+        <p:nvSpPr>
+          <p:cNvPr id="20482" name="Notes Placeholder 2"/>
+          <p:cNvSpPr>
+            <a:spLocks noGrp="1"/>
+          </p:cNvSpPr>
+          <p:nvPr>
+            <p:ph type="body" idx="1"/>
+          </p:nvPr>
+        </p:nvSpPr>
+        <p:spPr bwMode="auto">
+          <a:noFill/>
+          <a:extLst>
+            <a:ext uri="{909E8E84-426E-40dd-AFC4-6F175D3DCCD1}">
+              <a14:hiddenFill xmlns:a14="http://schemas.microsoft.com/office/drawing/2010/main">
+                <a:solidFill>
+                  <a:srgbClr val="FFFFFF"/>
+                </a:solidFill>
+              </a14:hiddenFill>
+            </a:ext>
+            <a:ext uri="{91240B29-F687-4f45-9708-019B960494DF}">
+              <a14:hiddenLine xmlns:a14="http://schemas.microsoft.com/office/drawing/2010/main" w="9525">
+                <a:solidFill>
+                  <a:srgbClr val="000000"/>
+                </a:solidFill>
+                <a:miter lim="800000"/>
+                <a:headEnd/>
+                <a:tailEnd/>
+              </a14:hiddenLine>
+            </a:ext>
+          </a:extLst>
+        </p:spPr>
+        <p:txBody>
+          <a:bodyPr wrap="square" numCol="1" anchor="t" anchorCtr="0" compatLnSpc="1">
+            <a:prstTxWarp prst="textNoShape">
+              <a:avLst/>
+            </a:prstTxWarp>
+          </a:bodyPr>
+          <a:lstStyle/>
+          <a:p>
+            <a:pPr eaLnBrk="1" hangingPunct="1">
+              <a:spcBef>
+                <a:spcPct val="0"/>
+              </a:spcBef>
+            </a:pPr>
+            <a:r>
+              <a:rPr lang="en-US">
+                <a:latin typeface="Calibri" charset="0"/>
+              </a:rPr>
+              <a:t>Source: http://blog.programmableweb.com/2011/10/03/4000-web-apis-whats-hot-and-whats-next/   downloaded on 18, October 2011</a:t>
+            </a:r>
+          </a:p>
+          <a:p>
+            <a:pPr eaLnBrk="1" hangingPunct="1">
+              <a:spcBef>
+                <a:spcPct val="0"/>
+              </a:spcBef>
+            </a:pPr>
+            <a:endParaRPr lang="en-US">
+              <a:latin typeface="Calibri" charset="0"/>
+            </a:endParaRPr>
+          </a:p>
+          <a:p>
+            <a:pPr eaLnBrk="1" hangingPunct="1">
+              <a:spcBef>
+                <a:spcPct val="0"/>
+              </a:spcBef>
+            </a:pPr>
+            <a:r>
+              <a:rPr lang="en-US">
+                <a:latin typeface="Calibri" charset="0"/>
+              </a:rPr>
+              <a:t>Significant proliferation of published APIs</a:t>
+            </a:r>
+          </a:p>
+          <a:p>
+            <a:pPr lvl="1" eaLnBrk="1" hangingPunct="1">
+              <a:spcBef>
+                <a:spcPct val="0"/>
+              </a:spcBef>
+            </a:pPr>
+            <a:r>
+              <a:rPr lang="en-US">
+                <a:latin typeface="Calibri" charset="0"/>
+              </a:rPr>
+              <a:t>4105 APIs and 6215 mashups on programmable web alone (as of 18 October 2011)</a:t>
+            </a:r>
+          </a:p>
+          <a:p>
+            <a:pPr eaLnBrk="1" hangingPunct="1">
+              <a:spcBef>
+                <a:spcPct val="0"/>
+              </a:spcBef>
+            </a:pPr>
+            <a:endParaRPr lang="en-US">
+              <a:latin typeface="Calibri" charset="0"/>
+            </a:endParaRPr>
+          </a:p>
+          <a:p>
+            <a:pPr eaLnBrk="1" hangingPunct="1">
+              <a:spcBef>
+                <a:spcPct val="0"/>
+              </a:spcBef>
+            </a:pPr>
+            <a:r>
+              <a:rPr lang="en-US" b="1">
+                <a:latin typeface="Calibri" charset="0"/>
+              </a:rPr>
+              <a:t>Top 5 Types of APIs in 2010</a:t>
+            </a:r>
+            <a:endParaRPr lang="en-US">
+              <a:latin typeface="Calibri" charset="0"/>
+            </a:endParaRPr>
+          </a:p>
+          <a:p>
+            <a:pPr eaLnBrk="1" hangingPunct="1">
+              <a:spcBef>
+                <a:spcPct val="0"/>
+              </a:spcBef>
+            </a:pPr>
+            <a:r>
+              <a:rPr lang="en-US">
+                <a:latin typeface="Calibri" charset="0"/>
+                <a:hlinkClick r:id="rId3"/>
+              </a:rPr>
+              <a:t>Social (149)</a:t>
+            </a:r>
+          </a:p>
+          <a:p>
+            <a:pPr eaLnBrk="1" hangingPunct="1">
+              <a:spcBef>
+                <a:spcPct val="0"/>
+              </a:spcBef>
+            </a:pPr>
+            <a:r>
+              <a:rPr lang="en-US">
+                <a:latin typeface="Calibri" charset="0"/>
+                <a:hlinkClick r:id="rId4"/>
+              </a:rPr>
+              <a:t>Internet (112)</a:t>
+            </a:r>
+          </a:p>
+          <a:p>
+            <a:pPr eaLnBrk="1" hangingPunct="1">
+              <a:spcBef>
+                <a:spcPct val="0"/>
+              </a:spcBef>
+            </a:pPr>
+            <a:r>
+              <a:rPr lang="en-US">
+                <a:latin typeface="Calibri" charset="0"/>
+                <a:hlinkClick r:id="rId5"/>
+              </a:rPr>
+              <a:t>Mapping (103)</a:t>
+            </a:r>
+          </a:p>
+          <a:p>
+            <a:pPr eaLnBrk="1" hangingPunct="1">
+              <a:spcBef>
+                <a:spcPct val="0"/>
+              </a:spcBef>
+            </a:pPr>
+            <a:r>
+              <a:rPr lang="en-US">
+                <a:latin typeface="Calibri" charset="0"/>
+                <a:hlinkClick r:id="rId6"/>
+              </a:rPr>
+              <a:t>Search (83)</a:t>
+            </a:r>
+          </a:p>
+          <a:p>
+            <a:pPr eaLnBrk="1" hangingPunct="1">
+              <a:spcBef>
+                <a:spcPct val="0"/>
+              </a:spcBef>
+            </a:pPr>
+            <a:r>
+              <a:rPr lang="de-DE">
+                <a:latin typeface="Calibri" charset="0"/>
+                <a:hlinkClick r:id="rId7"/>
+              </a:rPr>
+              <a:t>Mobile (74)</a:t>
+            </a:r>
+            <a:endParaRPr lang="de-DE">
+              <a:latin typeface="Calibri" charset="0"/>
+            </a:endParaRPr>
+          </a:p>
+          <a:p>
+            <a:pPr eaLnBrk="1" hangingPunct="1">
+              <a:spcBef>
+                <a:spcPct val="0"/>
+              </a:spcBef>
+            </a:pPr>
+            <a:endParaRPr lang="en-US">
+              <a:latin typeface="Calibri" charset="0"/>
+            </a:endParaRPr>
+          </a:p>
+        </p:txBody>
+      </p:sp>
+      <p:sp>
+        <p:nvSpPr>
+          <p:cNvPr id="20483" name="Slide Number Placeholder 3"/>
+          <p:cNvSpPr>
+            <a:spLocks noGrp="1"/>
+          </p:cNvSpPr>
+          <p:nvPr>
+            <p:ph type="sldNum" sz="quarter" idx="5"/>
+          </p:nvPr>
+        </p:nvSpPr>
+        <p:spPr bwMode="auto">
+          <a:noFill/>
+          <a:extLst>
+            <a:ext uri="{909E8E84-426E-40dd-AFC4-6F175D3DCCD1}">
+              <a14:hiddenFill xmlns:a14="http://schemas.microsoft.com/office/drawing/2010/main">
+                <a:solidFill>
+                  <a:srgbClr val="FFFFFF"/>
+                </a:solidFill>
+              </a14:hiddenFill>
+            </a:ext>
+            <a:ext uri="{91240B29-F687-4f45-9708-019B960494DF}">
+              <a14:hiddenLine xmlns:a14="http://schemas.microsoft.com/office/drawing/2010/main" w="9525">
+                <a:solidFill>
+                  <a:srgbClr val="000000"/>
+                </a:solidFill>
+                <a:miter lim="800000"/>
+                <a:headEnd/>
+                <a:tailEnd/>
+              </a14:hiddenLine>
+            </a:ext>
+          </a:extLst>
+        </p:spPr>
+        <p:txBody>
+          <a:bodyPr wrap="square" numCol="1" anchorCtr="0" compatLnSpc="1">
+            <a:prstTxWarp prst="textNoShape">
+              <a:avLst/>
+            </a:prstTxWarp>
+          </a:bodyPr>
+          <a:lstStyle>
+            <a:lvl1pPr eaLnBrk="0" hangingPunct="0">
+              <a:defRPr sz="2400">
+                <a:solidFill>
+                  <a:schemeClr val="tx1"/>
+                </a:solidFill>
+                <a:latin typeface="Calibri" charset="0"/>
+                <a:ea typeface="ＭＳ Ｐゴシック" charset="0"/>
+                <a:cs typeface="ＭＳ Ｐゴシック" charset="0"/>
+              </a:defRPr>
+            </a:lvl1pPr>
+            <a:lvl2pPr marL="742883" indent="-285724" eaLnBrk="0" hangingPunct="0">
+              <a:defRPr sz="2400">
+                <a:solidFill>
+                  <a:schemeClr val="tx1"/>
+                </a:solidFill>
+                <a:latin typeface="Calibri" charset="0"/>
+                <a:ea typeface="ＭＳ Ｐゴシック" charset="0"/>
+              </a:defRPr>
+            </a:lvl2pPr>
+            <a:lvl3pPr marL="1142898" indent="-228580" eaLnBrk="0" hangingPunct="0">
+              <a:defRPr sz="2400">
+                <a:solidFill>
+                  <a:schemeClr val="tx1"/>
+                </a:solidFill>
+                <a:latin typeface="Calibri" charset="0"/>
+                <a:ea typeface="ＭＳ Ｐゴシック" charset="0"/>
+              </a:defRPr>
+            </a:lvl3pPr>
+            <a:lvl4pPr marL="1600057" indent="-228580" eaLnBrk="0" hangingPunct="0">
+              <a:defRPr sz="2400">
+                <a:solidFill>
+                  <a:schemeClr val="tx1"/>
+                </a:solidFill>
+                <a:latin typeface="Calibri" charset="0"/>
+                <a:ea typeface="ＭＳ Ｐゴシック" charset="0"/>
+              </a:defRPr>
+            </a:lvl4pPr>
+            <a:lvl5pPr marL="2057217" indent="-228580" eaLnBrk="0" hangingPunct="0">
+              <a:defRPr sz="2400">
+                <a:solidFill>
+                  <a:schemeClr val="tx1"/>
+                </a:solidFill>
+                <a:latin typeface="Calibri" charset="0"/>
+                <a:ea typeface="ＭＳ Ｐゴシック" charset="0"/>
+              </a:defRPr>
+            </a:lvl5pPr>
+            <a:lvl6pPr marL="2514376" indent="-228580" eaLnBrk="0" fontAlgn="base" hangingPunct="0">
+              <a:spcBef>
+                <a:spcPct val="0"/>
+              </a:spcBef>
+              <a:spcAft>
+                <a:spcPct val="0"/>
+              </a:spcAft>
+              <a:defRPr sz="2400">
+                <a:solidFill>
+                  <a:schemeClr val="tx1"/>
+                </a:solidFill>
+                <a:latin typeface="Calibri" charset="0"/>
+                <a:ea typeface="ＭＳ Ｐゴシック" charset="0"/>
+              </a:defRPr>
+            </a:lvl6pPr>
+            <a:lvl7pPr marL="2971535" indent="-228580" eaLnBrk="0" fontAlgn="base" hangingPunct="0">
+              <a:spcBef>
+                <a:spcPct val="0"/>
+              </a:spcBef>
+              <a:spcAft>
+                <a:spcPct val="0"/>
+              </a:spcAft>
+              <a:defRPr sz="2400">
+                <a:solidFill>
+                  <a:schemeClr val="tx1"/>
+                </a:solidFill>
+                <a:latin typeface="Calibri" charset="0"/>
+                <a:ea typeface="ＭＳ Ｐゴシック" charset="0"/>
+              </a:defRPr>
+            </a:lvl7pPr>
+            <a:lvl8pPr marL="3428695" indent="-228580" eaLnBrk="0" fontAlgn="base" hangingPunct="0">
+              <a:spcBef>
+                <a:spcPct val="0"/>
+              </a:spcBef>
+              <a:spcAft>
+                <a:spcPct val="0"/>
+              </a:spcAft>
+              <a:defRPr sz="2400">
+                <a:solidFill>
+                  <a:schemeClr val="tx1"/>
+                </a:solidFill>
+                <a:latin typeface="Calibri" charset="0"/>
+                <a:ea typeface="ＭＳ Ｐゴシック" charset="0"/>
+              </a:defRPr>
+            </a:lvl8pPr>
+            <a:lvl9pPr marL="3885854" indent="-228580" eaLnBrk="0" fontAlgn="base" hangingPunct="0">
+              <a:spcBef>
+                <a:spcPct val="0"/>
+              </a:spcBef>
+              <a:spcAft>
+                <a:spcPct val="0"/>
+              </a:spcAft>
+              <a:defRPr sz="2400">
+                <a:solidFill>
+                  <a:schemeClr val="tx1"/>
+                </a:solidFill>
+                <a:latin typeface="Calibri" charset="0"/>
+                <a:ea typeface="ＭＳ Ｐゴシック" charset="0"/>
+              </a:defRPr>
+            </a:lvl9pPr>
+          </a:lstStyle>
+          <a:p>
+            <a:pPr eaLnBrk="1" fontAlgn="base" hangingPunct="1">
+              <a:spcBef>
+                <a:spcPct val="0"/>
+              </a:spcBef>
+              <a:spcAft>
+                <a:spcPct val="0"/>
+              </a:spcAft>
+            </a:pPr>
+            <a:fld id="{EC73CE64-AA50-F145-A1B6-405D27E15A72}" type="slidenum">
+              <a:rPr lang="en-US" sz="1200"/>
+              <a:pPr eaLnBrk="1" fontAlgn="base" hangingPunct="1">
+                <a:spcBef>
+                  <a:spcPct val="0"/>
+                </a:spcBef>
+                <a:spcAft>
+                  <a:spcPct val="0"/>
+                </a:spcAft>
+              </a:pPr>
+              <a:t>5</a:t>
+            </a:fld>
+            <a:endParaRPr lang="en-US" sz="1200"/>
+          </a:p>
+        </p:txBody>
+      </p:sp>
+    </p:spTree>
+  </p:cSld>
+  <p:clrMapOvr>
+    <a:masterClrMapping/>
+  </p:clrMapOvr>
+</p:notes>
+</file>
+
+<file path=ppt/notesSlides/notesSlide2.xml><?xml version="1.0" encoding="utf-8"?>
+<p:notes xmlns:a="http://schemas.openxmlformats.org/drawingml/2006/main" xmlns:r="http://schemas.openxmlformats.org/officeDocument/2006/relationships" xmlns:p="http://schemas.openxmlformats.org/presentationml/2006/main">
+  <p:cSld>
+    <p:spTree>
+      <p:nvGrpSpPr>
+        <p:cNvPr id="1" name=""/>
+        <p:cNvGrpSpPr/>
+        <p:nvPr/>
+      </p:nvGrpSpPr>
+      <p:grpSpPr>
+        <a:xfrm>
+          <a:off x="0" y="0"/>
+          <a:ext cx="0" cy="0"/>
+          <a:chOff x="0" y="0"/>
+          <a:chExt cx="0" cy="0"/>
+        </a:xfrm>
+      </p:grpSpPr>
+      <p:sp>
+        <p:nvSpPr>
+          <p:cNvPr id="22529" name="Slide Image Placeholder 1"/>
+          <p:cNvSpPr>
+            <a:spLocks noGrp="1" noRot="1" noChangeAspect="1"/>
+          </p:cNvSpPr>
+          <p:nvPr>
+            <p:ph type="sldImg"/>
+          </p:nvPr>
+        </p:nvSpPr>
+        <p:spPr bwMode="auto">
+          <a:noFill/>
+          <a:ln>
+            <a:solidFill>
+              <a:srgbClr val="000000"/>
+            </a:solidFill>
+            <a:miter lim="800000"/>
+            <a:headEnd/>
+            <a:tailEnd/>
+          </a:ln>
+          <a:extLst>
+            <a:ext uri="{909E8E84-426E-40dd-AFC4-6F175D3DCCD1}">
+              <a14:hiddenFill xmlns:a14="http://schemas.microsoft.com/office/drawing/2010/main">
+                <a:solidFill>
+                  <a:srgbClr val="FFFFFF"/>
+                </a:solidFill>
+              </a14:hiddenFill>
+            </a:ext>
+            <a:ext uri="{FAA26D3D-D897-4be2-8F04-BA451C77F1D7}">
+              <ma14:placeholderFlag xmlns:ma14="http://schemas.microsoft.com/office/mac/drawingml/2011/main" val="1"/>
+            </a:ext>
+          </a:extLst>
+        </p:spPr>
+      </p:sp>
+      <p:sp>
+        <p:nvSpPr>
+          <p:cNvPr id="22530" name="Notes Placeholder 2"/>
+          <p:cNvSpPr>
+            <a:spLocks noGrp="1"/>
+          </p:cNvSpPr>
+          <p:nvPr>
+            <p:ph type="body" idx="1"/>
+          </p:nvPr>
+        </p:nvSpPr>
+        <p:spPr bwMode="auto">
+          <a:noFill/>
+          <a:extLst>
+            <a:ext uri="{909E8E84-426E-40dd-AFC4-6F175D3DCCD1}">
+              <a14:hiddenFill xmlns:a14="http://schemas.microsoft.com/office/drawing/2010/main">
+                <a:solidFill>
+                  <a:srgbClr val="FFFFFF"/>
+                </a:solidFill>
+              </a14:hiddenFill>
+            </a:ext>
+            <a:ext uri="{91240B29-F687-4f45-9708-019B960494DF}">
+              <a14:hiddenLine xmlns:a14="http://schemas.microsoft.com/office/drawing/2010/main" w="9525">
+                <a:solidFill>
+                  <a:srgbClr val="000000"/>
+                </a:solidFill>
+                <a:miter lim="800000"/>
+                <a:headEnd/>
+                <a:tailEnd/>
+              </a14:hiddenLine>
+            </a:ext>
+          </a:extLst>
+        </p:spPr>
+        <p:txBody>
+          <a:bodyPr wrap="square" numCol="1" anchor="t" anchorCtr="0" compatLnSpc="1">
+            <a:prstTxWarp prst="textNoShape">
+              <a:avLst/>
+            </a:prstTxWarp>
+          </a:bodyPr>
+          <a:lstStyle/>
+          <a:p>
+            <a:pPr eaLnBrk="1" hangingPunct="1">
+              <a:spcBef>
+                <a:spcPct val="0"/>
+              </a:spcBef>
+            </a:pPr>
+            <a:r>
+              <a:rPr lang="en-US">
+                <a:latin typeface="Calibri" charset="0"/>
+              </a:rPr>
+              <a:t>Source:  http://blog.programmableweb.com/2011/01/03/api-growth-doubles-in-2010-social-and-mobile-are-trends/      downloaded on 18, October 2011</a:t>
+            </a:r>
+          </a:p>
+          <a:p>
+            <a:pPr eaLnBrk="1" hangingPunct="1">
+              <a:spcBef>
+                <a:spcPct val="0"/>
+              </a:spcBef>
+            </a:pPr>
+            <a:endParaRPr lang="en-US">
+              <a:latin typeface="Calibri" charset="0"/>
+            </a:endParaRPr>
+          </a:p>
+          <a:p>
+            <a:pPr lvl="1" eaLnBrk="1" hangingPunct="1">
+              <a:spcBef>
+                <a:spcPct val="0"/>
+              </a:spcBef>
+            </a:pPr>
+            <a:endParaRPr lang="en-US">
+              <a:latin typeface="Calibri" charset="0"/>
+            </a:endParaRPr>
+          </a:p>
+          <a:p>
+            <a:pPr eaLnBrk="1" hangingPunct="1">
+              <a:spcBef>
+                <a:spcPct val="0"/>
+              </a:spcBef>
+            </a:pPr>
+            <a:r>
+              <a:rPr lang="en-US">
+                <a:latin typeface="Calibri" charset="0"/>
+              </a:rPr>
+              <a:t>The New Web (Web 2.0+) relies on creating an ‘architecture of participation’ across multiple web properties</a:t>
+            </a:r>
+          </a:p>
+          <a:p>
+            <a:pPr lvl="1" eaLnBrk="1" hangingPunct="1">
+              <a:spcBef>
+                <a:spcPct val="0"/>
+              </a:spcBef>
+            </a:pPr>
+            <a:r>
+              <a:rPr lang="en-US">
+                <a:latin typeface="Calibri" charset="0"/>
+              </a:rPr>
+              <a:t>LinkedIn, Twitter, eBay</a:t>
+            </a:r>
+          </a:p>
+          <a:p>
+            <a:pPr lvl="1" eaLnBrk="1" hangingPunct="1">
+              <a:spcBef>
+                <a:spcPct val="0"/>
+              </a:spcBef>
+            </a:pPr>
+            <a:r>
+              <a:rPr lang="en-US">
+                <a:latin typeface="Calibri" charset="0"/>
+              </a:rPr>
+              <a:t>Facebook, Twitter, </a:t>
+            </a:r>
+          </a:p>
+          <a:p>
+            <a:pPr lvl="1" eaLnBrk="1" hangingPunct="1">
+              <a:spcBef>
+                <a:spcPct val="0"/>
+              </a:spcBef>
+            </a:pPr>
+            <a:endParaRPr lang="en-US">
+              <a:latin typeface="Calibri" charset="0"/>
+            </a:endParaRPr>
+          </a:p>
+          <a:p>
+            <a:pPr eaLnBrk="1" hangingPunct="1">
+              <a:spcBef>
+                <a:spcPct val="0"/>
+              </a:spcBef>
+            </a:pPr>
+            <a:r>
+              <a:rPr lang="en-US">
+                <a:latin typeface="Calibri" charset="0"/>
+              </a:rPr>
+              <a:t> APIs are used to interconnect the site experiences and share information</a:t>
+            </a:r>
+          </a:p>
+          <a:p>
+            <a:pPr lvl="1" eaLnBrk="1" hangingPunct="1">
+              <a:spcBef>
+                <a:spcPct val="0"/>
+              </a:spcBef>
+            </a:pPr>
+            <a:r>
+              <a:rPr lang="en-US">
+                <a:latin typeface="Calibri" charset="0"/>
+              </a:rPr>
+              <a:t>RSS Feeds, service calls, </a:t>
+            </a:r>
+          </a:p>
+          <a:p>
+            <a:pPr lvl="1" eaLnBrk="1" hangingPunct="1">
+              <a:spcBef>
+                <a:spcPct val="0"/>
+              </a:spcBef>
+            </a:pPr>
+            <a:r>
+              <a:rPr lang="en-US">
+                <a:latin typeface="Calibri" charset="0"/>
+              </a:rPr>
+              <a:t>Oauth, SAML</a:t>
+            </a:r>
+          </a:p>
+          <a:p>
+            <a:pPr lvl="1" eaLnBrk="1" hangingPunct="1">
+              <a:spcBef>
+                <a:spcPct val="0"/>
+              </a:spcBef>
+            </a:pPr>
+            <a:r>
+              <a:rPr lang="en-US">
+                <a:latin typeface="Calibri" charset="0"/>
+              </a:rPr>
+              <a:t>Mashups</a:t>
+            </a:r>
+          </a:p>
+          <a:p>
+            <a:pPr lvl="1" eaLnBrk="1" hangingPunct="1">
+              <a:spcBef>
+                <a:spcPct val="0"/>
+              </a:spcBef>
+            </a:pPr>
+            <a:endParaRPr lang="en-US">
+              <a:latin typeface="Calibri" charset="0"/>
+            </a:endParaRPr>
+          </a:p>
+          <a:p>
+            <a:pPr eaLnBrk="1" hangingPunct="1">
+              <a:spcBef>
+                <a:spcPct val="0"/>
+              </a:spcBef>
+            </a:pPr>
+            <a:endParaRPr lang="en-US">
+              <a:latin typeface="Calibri" charset="0"/>
+            </a:endParaRPr>
+          </a:p>
+        </p:txBody>
+      </p:sp>
+      <p:sp>
+        <p:nvSpPr>
+          <p:cNvPr id="22531" name="Slide Number Placeholder 3"/>
+          <p:cNvSpPr>
+            <a:spLocks noGrp="1"/>
+          </p:cNvSpPr>
+          <p:nvPr>
+            <p:ph type="sldNum" sz="quarter" idx="5"/>
+          </p:nvPr>
+        </p:nvSpPr>
+        <p:spPr bwMode="auto">
+          <a:noFill/>
+          <a:extLst>
+            <a:ext uri="{909E8E84-426E-40dd-AFC4-6F175D3DCCD1}">
+              <a14:hiddenFill xmlns:a14="http://schemas.microsoft.com/office/drawing/2010/main">
+                <a:solidFill>
+                  <a:srgbClr val="FFFFFF"/>
+                </a:solidFill>
+              </a14:hiddenFill>
+            </a:ext>
+            <a:ext uri="{91240B29-F687-4f45-9708-019B960494DF}">
+              <a14:hiddenLine xmlns:a14="http://schemas.microsoft.com/office/drawing/2010/main" w="9525">
+                <a:solidFill>
+                  <a:srgbClr val="000000"/>
+                </a:solidFill>
+                <a:miter lim="800000"/>
+                <a:headEnd/>
+                <a:tailEnd/>
+              </a14:hiddenLine>
+            </a:ext>
+          </a:extLst>
+        </p:spPr>
+        <p:txBody>
+          <a:bodyPr wrap="square" numCol="1" anchorCtr="0" compatLnSpc="1">
+            <a:prstTxWarp prst="textNoShape">
+              <a:avLst/>
+            </a:prstTxWarp>
+          </a:bodyPr>
+          <a:lstStyle>
+            <a:lvl1pPr eaLnBrk="0" hangingPunct="0">
+              <a:defRPr sz="2400">
+                <a:solidFill>
+                  <a:schemeClr val="tx1"/>
+                </a:solidFill>
+                <a:latin typeface="Calibri" charset="0"/>
+                <a:ea typeface="ＭＳ Ｐゴシック" charset="0"/>
+                <a:cs typeface="ＭＳ Ｐゴシック" charset="0"/>
+              </a:defRPr>
+            </a:lvl1pPr>
+            <a:lvl2pPr marL="742883" indent="-285724" eaLnBrk="0" hangingPunct="0">
+              <a:defRPr sz="2400">
+                <a:solidFill>
+                  <a:schemeClr val="tx1"/>
+                </a:solidFill>
+                <a:latin typeface="Calibri" charset="0"/>
+                <a:ea typeface="ＭＳ Ｐゴシック" charset="0"/>
+              </a:defRPr>
+            </a:lvl2pPr>
+            <a:lvl3pPr marL="1142898" indent="-228580" eaLnBrk="0" hangingPunct="0">
+              <a:defRPr sz="2400">
+                <a:solidFill>
+                  <a:schemeClr val="tx1"/>
+                </a:solidFill>
+                <a:latin typeface="Calibri" charset="0"/>
+                <a:ea typeface="ＭＳ Ｐゴシック" charset="0"/>
+              </a:defRPr>
+            </a:lvl3pPr>
+            <a:lvl4pPr marL="1600057" indent="-228580" eaLnBrk="0" hangingPunct="0">
+              <a:defRPr sz="2400">
+                <a:solidFill>
+                  <a:schemeClr val="tx1"/>
+                </a:solidFill>
+                <a:latin typeface="Calibri" charset="0"/>
+                <a:ea typeface="ＭＳ Ｐゴシック" charset="0"/>
+              </a:defRPr>
+            </a:lvl4pPr>
+            <a:lvl5pPr marL="2057217" indent="-228580" eaLnBrk="0" hangingPunct="0">
+              <a:defRPr sz="2400">
+                <a:solidFill>
+                  <a:schemeClr val="tx1"/>
+                </a:solidFill>
+                <a:latin typeface="Calibri" charset="0"/>
+                <a:ea typeface="ＭＳ Ｐゴシック" charset="0"/>
+              </a:defRPr>
+            </a:lvl5pPr>
+            <a:lvl6pPr marL="2514376" indent="-228580" eaLnBrk="0" fontAlgn="base" hangingPunct="0">
+              <a:spcBef>
+                <a:spcPct val="0"/>
+              </a:spcBef>
+              <a:spcAft>
+                <a:spcPct val="0"/>
+              </a:spcAft>
+              <a:defRPr sz="2400">
+                <a:solidFill>
+                  <a:schemeClr val="tx1"/>
+                </a:solidFill>
+                <a:latin typeface="Calibri" charset="0"/>
+                <a:ea typeface="ＭＳ Ｐゴシック" charset="0"/>
+              </a:defRPr>
+            </a:lvl6pPr>
+            <a:lvl7pPr marL="2971535" indent="-228580" eaLnBrk="0" fontAlgn="base" hangingPunct="0">
+              <a:spcBef>
+                <a:spcPct val="0"/>
+              </a:spcBef>
+              <a:spcAft>
+                <a:spcPct val="0"/>
+              </a:spcAft>
+              <a:defRPr sz="2400">
+                <a:solidFill>
+                  <a:schemeClr val="tx1"/>
+                </a:solidFill>
+                <a:latin typeface="Calibri" charset="0"/>
+                <a:ea typeface="ＭＳ Ｐゴシック" charset="0"/>
+              </a:defRPr>
+            </a:lvl7pPr>
+            <a:lvl8pPr marL="3428695" indent="-228580" eaLnBrk="0" fontAlgn="base" hangingPunct="0">
+              <a:spcBef>
+                <a:spcPct val="0"/>
+              </a:spcBef>
+              <a:spcAft>
+                <a:spcPct val="0"/>
+              </a:spcAft>
+              <a:defRPr sz="2400">
+                <a:solidFill>
+                  <a:schemeClr val="tx1"/>
+                </a:solidFill>
+                <a:latin typeface="Calibri" charset="0"/>
+                <a:ea typeface="ＭＳ Ｐゴシック" charset="0"/>
+              </a:defRPr>
+            </a:lvl8pPr>
+            <a:lvl9pPr marL="3885854" indent="-228580" eaLnBrk="0" fontAlgn="base" hangingPunct="0">
+              <a:spcBef>
+                <a:spcPct val="0"/>
+              </a:spcBef>
+              <a:spcAft>
+                <a:spcPct val="0"/>
+              </a:spcAft>
+              <a:defRPr sz="2400">
+                <a:solidFill>
+                  <a:schemeClr val="tx1"/>
+                </a:solidFill>
+                <a:latin typeface="Calibri" charset="0"/>
+                <a:ea typeface="ＭＳ Ｐゴシック" charset="0"/>
+              </a:defRPr>
+            </a:lvl9pPr>
+          </a:lstStyle>
+          <a:p>
+            <a:pPr eaLnBrk="1" fontAlgn="base" hangingPunct="1">
+              <a:spcBef>
+                <a:spcPct val="0"/>
+              </a:spcBef>
+              <a:spcAft>
+                <a:spcPct val="0"/>
+              </a:spcAft>
+            </a:pPr>
+            <a:fld id="{544C02D8-656F-D44E-9103-4DA1D6307212}" type="slidenum">
+              <a:rPr lang="en-US" sz="1200"/>
+              <a:pPr eaLnBrk="1" fontAlgn="base" hangingPunct="1">
+                <a:spcBef>
+                  <a:spcPct val="0"/>
+                </a:spcBef>
+                <a:spcAft>
+                  <a:spcPct val="0"/>
+                </a:spcAft>
+              </a:pPr>
+              <a:t>7</a:t>
+            </a:fld>
+            <a:endParaRPr lang="en-US" sz="1200"/>
+          </a:p>
+        </p:txBody>
+      </p:sp>
+    </p:spTree>
+  </p:cSld>
+  <p:clrMapOvr>
+    <a:masterClrMapping/>
+  </p:clrMapOvr>
+</p:notes>
 </file>
 
 <file path=ppt/slideLayouts/slideLayout1.xml><?xml version="1.0" encoding="utf-8"?>
@@ -3792,6 +4663,3019 @@
     </p:otherStyle>
   </p:txStyles>
 </p:sldMaster>
+</file>
+
+<file path=ppt/slides/slide1.xml><?xml version="1.0" encoding="utf-8"?>
+<p:sld xmlns:a="http://schemas.openxmlformats.org/drawingml/2006/main" xmlns:r="http://schemas.openxmlformats.org/officeDocument/2006/relationships" xmlns:p="http://schemas.openxmlformats.org/presentationml/2006/main">
+  <p:cSld>
+    <p:spTree>
+      <p:nvGrpSpPr>
+        <p:cNvPr id="1" name=""/>
+        <p:cNvGrpSpPr/>
+        <p:nvPr/>
+      </p:nvGrpSpPr>
+      <p:grpSpPr>
+        <a:xfrm>
+          <a:off x="0" y="0"/>
+          <a:ext cx="0" cy="0"/>
+          <a:chOff x="0" y="0"/>
+          <a:chExt cx="0" cy="0"/>
+        </a:xfrm>
+      </p:grpSpPr>
+      <p:sp>
+        <p:nvSpPr>
+          <p:cNvPr id="2" name="Title 1"/>
+          <p:cNvSpPr>
+            <a:spLocks noGrp="1"/>
+          </p:cNvSpPr>
+          <p:nvPr>
+            <p:ph type="ctrTitle"/>
+          </p:nvPr>
+        </p:nvSpPr>
+        <p:spPr/>
+        <p:txBody>
+          <a:bodyPr/>
+          <a:lstStyle/>
+          <a:p>
+            <a:r>
+              <a:rPr lang="en-US" dirty="0" smtClean="0"/>
+              <a:t>APIs and API Management</a:t>
+            </a:r>
+            <a:endParaRPr lang="en-US" dirty="0"/>
+          </a:p>
+        </p:txBody>
+      </p:sp>
+      <p:sp>
+        <p:nvSpPr>
+          <p:cNvPr id="3" name="Subtitle 2"/>
+          <p:cNvSpPr>
+            <a:spLocks noGrp="1"/>
+          </p:cNvSpPr>
+          <p:nvPr>
+            <p:ph type="subTitle" idx="1"/>
+          </p:nvPr>
+        </p:nvSpPr>
+        <p:spPr/>
+        <p:txBody>
+          <a:bodyPr/>
+          <a:lstStyle/>
+          <a:p>
+            <a:endParaRPr lang="en-US"/>
+          </a:p>
+        </p:txBody>
+      </p:sp>
+    </p:spTree>
+    <p:extLst>
+      <p:ext uri="{BB962C8B-B14F-4D97-AF65-F5344CB8AC3E}">
+        <p14:creationId xmlns:p14="http://schemas.microsoft.com/office/powerpoint/2010/main" val="744735459"/>
+      </p:ext>
+    </p:extLst>
+  </p:cSld>
+  <p:clrMapOvr>
+    <a:masterClrMapping/>
+  </p:clrMapOvr>
+</p:sld>
+</file>
+
+<file path=ppt/slides/slide10.xml><?xml version="1.0" encoding="utf-8"?>
+<p:sld xmlns:a="http://schemas.openxmlformats.org/drawingml/2006/main" xmlns:r="http://schemas.openxmlformats.org/officeDocument/2006/relationships" xmlns:p="http://schemas.openxmlformats.org/presentationml/2006/main">
+  <p:cSld>
+    <p:spTree>
+      <p:nvGrpSpPr>
+        <p:cNvPr id="1" name=""/>
+        <p:cNvGrpSpPr/>
+        <p:nvPr/>
+      </p:nvGrpSpPr>
+      <p:grpSpPr>
+        <a:xfrm>
+          <a:off x="0" y="0"/>
+          <a:ext cx="0" cy="0"/>
+          <a:chOff x="0" y="0"/>
+          <a:chExt cx="0" cy="0"/>
+        </a:xfrm>
+      </p:grpSpPr>
+      <p:sp>
+        <p:nvSpPr>
+          <p:cNvPr id="6145" name="Rectangle 1"/>
+          <p:cNvSpPr>
+            <a:spLocks noGrp="1" noChangeArrowheads="1"/>
+          </p:cNvSpPr>
+          <p:nvPr>
+            <p:ph type="title"/>
+          </p:nvPr>
+        </p:nvSpPr>
+        <p:spPr>
+          <a:xfrm>
+            <a:off x="321469" y="-71437"/>
+            <a:ext cx="5786438" cy="895201"/>
+          </a:xfrm>
+          <a:ln/>
+        </p:spPr>
+        <p:txBody>
+          <a:bodyPr/>
+          <a:lstStyle/>
+          <a:p>
+            <a:r>
+              <a:rPr lang="en-US"/>
+              <a:t>API Ecosystem Model</a:t>
+            </a:r>
+          </a:p>
+        </p:txBody>
+      </p:sp>
+      <p:sp>
+        <p:nvSpPr>
+          <p:cNvPr id="6146" name="Rectangle 2"/>
+          <p:cNvSpPr>
+            <a:spLocks noGrp="1" noChangeArrowheads="1"/>
+          </p:cNvSpPr>
+          <p:nvPr>
+            <p:ph type="body" idx="1"/>
+          </p:nvPr>
+        </p:nvSpPr>
+        <p:spPr>
+          <a:xfrm>
+            <a:off x="321469" y="1007939"/>
+            <a:ext cx="7625953" cy="5223867"/>
+          </a:xfrm>
+          <a:ln/>
+        </p:spPr>
+        <p:txBody>
+          <a:bodyPr/>
+          <a:lstStyle/>
+          <a:p>
+            <a:pPr marL="0" indent="0">
+              <a:spcBef>
+                <a:spcPct val="0"/>
+              </a:spcBef>
+            </a:pPr>
+            <a:r>
+              <a:rPr lang="en-US" sz="2000" b="1"/>
+              <a:t>From SOA lessons learned, best practices roles</a:t>
+            </a:r>
+            <a:r>
+              <a:rPr lang="en-US" sz="2000" b="1">
+                <a:ea typeface="ヒラギノ角ゴ ProN W6" charset="0"/>
+                <a:cs typeface="ヒラギノ角ゴ ProN W6" charset="0"/>
+              </a:rPr>
+              <a:t/>
+            </a:r>
+            <a:br>
+              <a:rPr lang="en-US" sz="2000" b="1">
+                <a:ea typeface="ヒラギノ角ゴ ProN W6" charset="0"/>
+                <a:cs typeface="ヒラギノ角ゴ ProN W6" charset="0"/>
+              </a:rPr>
+            </a:br>
+            <a:endParaRPr lang="en-US" sz="2000" b="1">
+              <a:ea typeface="ヒラギノ角ゴ ProN W6" charset="0"/>
+              <a:cs typeface="ヒラギノ角ゴ ProN W6" charset="0"/>
+            </a:endParaRPr>
+          </a:p>
+          <a:p>
+            <a:pPr marL="0" indent="0">
+              <a:buClr>
+                <a:srgbClr val="000000"/>
+              </a:buClr>
+              <a:buFont typeface="Arial" charset="0"/>
+              <a:buChar char="•"/>
+            </a:pPr>
+            <a:r>
+              <a:rPr lang="en-US" sz="1800" b="1"/>
+              <a:t>API Creator</a:t>
+            </a:r>
+            <a:endParaRPr lang="en-US" sz="1800" b="1">
+              <a:ea typeface="ヒラギノ角ゴ ProN W6" charset="0"/>
+              <a:cs typeface="ヒラギノ角ゴ ProN W6" charset="0"/>
+            </a:endParaRPr>
+          </a:p>
+          <a:p>
+            <a:pPr marL="459863" lvl="1" indent="-125011">
+              <a:spcBef>
+                <a:spcPts val="352"/>
+              </a:spcBef>
+              <a:buClr>
+                <a:srgbClr val="000000"/>
+              </a:buClr>
+              <a:buFont typeface="Arial" charset="0"/>
+              <a:buChar char="•"/>
+            </a:pPr>
+            <a:r>
+              <a:rPr lang="en-US" sz="1700"/>
+              <a:t>Builds, manages, and versions API</a:t>
+            </a:r>
+          </a:p>
+          <a:p>
+            <a:pPr marL="459863" lvl="1" indent="-125011">
+              <a:spcBef>
+                <a:spcPts val="352"/>
+              </a:spcBef>
+              <a:buClr>
+                <a:srgbClr val="000000"/>
+              </a:buClr>
+              <a:buFont typeface="Arial" charset="0"/>
+              <a:buChar char="•"/>
+            </a:pPr>
+            <a:r>
+              <a:rPr lang="en-US" sz="1700"/>
+              <a:t>Understand business and technical requirements</a:t>
+            </a:r>
+          </a:p>
+          <a:p>
+            <a:pPr marL="459863" lvl="1" indent="-125011">
+              <a:spcBef>
+                <a:spcPts val="352"/>
+              </a:spcBef>
+              <a:buClr>
+                <a:srgbClr val="000000"/>
+              </a:buClr>
+              <a:buFont typeface="Arial" charset="0"/>
+              <a:buChar char="•"/>
+            </a:pPr>
+            <a:r>
+              <a:rPr lang="en-US" sz="1700"/>
+              <a:t>Cares about usage and scaling</a:t>
+            </a:r>
+          </a:p>
+          <a:p>
+            <a:pPr marL="459863" lvl="1" indent="-125011">
+              <a:spcBef>
+                <a:spcPts val="352"/>
+              </a:spcBef>
+              <a:buClr>
+                <a:srgbClr val="000000"/>
+              </a:buClr>
+              <a:buFont typeface="Arial" charset="0"/>
+              <a:buChar char="•"/>
+            </a:pPr>
+            <a:r>
+              <a:rPr lang="en-US" sz="1700"/>
+              <a:t>Seeks feedback, ratings, usage</a:t>
+            </a:r>
+          </a:p>
+          <a:p>
+            <a:pPr marL="0" indent="0">
+              <a:buClr>
+                <a:srgbClr val="000000"/>
+              </a:buClr>
+              <a:buFont typeface="Arial" charset="0"/>
+              <a:buChar char="•"/>
+            </a:pPr>
+            <a:r>
+              <a:rPr lang="en-US" sz="1800" b="1"/>
+              <a:t>API Publisher</a:t>
+            </a:r>
+            <a:endParaRPr lang="en-US" sz="1800" b="1">
+              <a:ea typeface="ヒラギノ角ゴ ProN W6" charset="0"/>
+              <a:cs typeface="ヒラギノ角ゴ ProN W6" charset="0"/>
+            </a:endParaRPr>
+          </a:p>
+          <a:p>
+            <a:pPr marL="459863" lvl="1" indent="-125011">
+              <a:buClr>
+                <a:srgbClr val="000000"/>
+              </a:buClr>
+              <a:buFont typeface="Arial" charset="0"/>
+              <a:buChar char="•"/>
+            </a:pPr>
+            <a:r>
+              <a:rPr lang="en-US" sz="1700"/>
+              <a:t>Publishes, Promotes and encourages consumers to adopt APIs</a:t>
+            </a:r>
+          </a:p>
+          <a:p>
+            <a:pPr marL="459863" lvl="1" indent="-125011">
+              <a:buClr>
+                <a:srgbClr val="000000"/>
+              </a:buClr>
+              <a:buFont typeface="Arial" charset="0"/>
+              <a:buChar char="•"/>
+            </a:pPr>
+            <a:r>
+              <a:rPr lang="en-US" sz="1700"/>
+              <a:t>Determines usage patterns and how to best monetize asset</a:t>
+            </a:r>
+          </a:p>
+          <a:p>
+            <a:pPr marL="459863" lvl="1" indent="-125011">
+              <a:buClr>
+                <a:srgbClr val="000000"/>
+              </a:buClr>
+              <a:buFont typeface="Arial" charset="0"/>
+              <a:buChar char="•"/>
+            </a:pPr>
+            <a:r>
+              <a:rPr lang="en-US" sz="1700"/>
+              <a:t>Monitors and secures</a:t>
+            </a:r>
+          </a:p>
+          <a:p>
+            <a:pPr marL="0" indent="0">
+              <a:buClr>
+                <a:srgbClr val="000000"/>
+              </a:buClr>
+              <a:buFont typeface="Arial" charset="0"/>
+              <a:buChar char="•"/>
+            </a:pPr>
+            <a:r>
+              <a:rPr lang="en-US" sz="1800" b="1"/>
+              <a:t>API Consumer</a:t>
+            </a:r>
+            <a:endParaRPr lang="en-US" sz="1800" b="1">
+              <a:ea typeface="ヒラギノ角ゴ ProN W6" charset="0"/>
+              <a:cs typeface="ヒラギノ角ゴ ProN W6" charset="0"/>
+            </a:endParaRPr>
+          </a:p>
+          <a:p>
+            <a:pPr marL="459863" lvl="1" indent="-125011">
+              <a:buClr>
+                <a:srgbClr val="000000"/>
+              </a:buClr>
+              <a:buFont typeface="Arial" charset="0"/>
+              <a:buChar char="•"/>
+            </a:pPr>
+            <a:r>
+              <a:rPr lang="en-US" sz="1700"/>
+              <a:t>Understands the interface definition </a:t>
+            </a:r>
+          </a:p>
+          <a:p>
+            <a:pPr marL="459863" lvl="1" indent="-125011">
+              <a:buClr>
+                <a:srgbClr val="000000"/>
+              </a:buClr>
+              <a:buFont typeface="Arial" charset="0"/>
+              <a:buChar char="•"/>
+            </a:pPr>
+            <a:r>
+              <a:rPr lang="en-US" sz="1700"/>
+              <a:t>Subscribes and connects application to API</a:t>
+            </a:r>
+          </a:p>
+          <a:p>
+            <a:pPr marL="459863" lvl="1" indent="-125011">
+              <a:buClr>
+                <a:srgbClr val="000000"/>
+              </a:buClr>
+              <a:buFont typeface="Arial" charset="0"/>
+              <a:buChar char="•"/>
+            </a:pPr>
+            <a:r>
+              <a:rPr lang="en-US" sz="1700"/>
+              <a:t>Monitors own usage and cost basis</a:t>
+            </a:r>
+          </a:p>
+          <a:p>
+            <a:pPr marL="459863" lvl="1" indent="-125011">
+              <a:buClr>
+                <a:srgbClr val="000000"/>
+              </a:buClr>
+              <a:buFont typeface="Arial" charset="0"/>
+              <a:buChar char="•"/>
+            </a:pPr>
+            <a:r>
+              <a:rPr lang="en-US" sz="1700"/>
+              <a:t>Provides feedback and ratings</a:t>
+            </a:r>
+          </a:p>
+        </p:txBody>
+      </p:sp>
+    </p:spTree>
+    <p:extLst>
+      <p:ext uri="{BB962C8B-B14F-4D97-AF65-F5344CB8AC3E}">
+        <p14:creationId xmlns:p14="http://schemas.microsoft.com/office/powerpoint/2010/main" val="2195036050"/>
+      </p:ext>
+    </p:extLst>
+  </p:cSld>
+  <p:clrMapOvr>
+    <a:masterClrMapping/>
+  </p:clrMapOvr>
+  <mc:AlternateContent xmlns:mc="http://schemas.openxmlformats.org/markup-compatibility/2006" xmlns:p14="http://schemas.microsoft.com/office/powerpoint/2010/main">
+    <mc:Choice Requires="p14">
+      <p:transition spd="slow" p14:dur="2000"/>
+    </mc:Choice>
+    <mc:Fallback xmlns="">
+      <p:transition xmlns:p14="http://schemas.microsoft.com/office/powerpoint/2010/main" spd="slow"/>
+    </mc:Fallback>
+  </mc:AlternateContent>
+</p:sld>
+</file>
+
+<file path=ppt/slides/slide11.xml><?xml version="1.0" encoding="utf-8"?>
+<p:sld xmlns:a="http://schemas.openxmlformats.org/drawingml/2006/main" xmlns:r="http://schemas.openxmlformats.org/officeDocument/2006/relationships" xmlns:p="http://schemas.openxmlformats.org/presentationml/2006/main">
+  <p:cSld>
+    <p:spTree>
+      <p:nvGrpSpPr>
+        <p:cNvPr id="1" name=""/>
+        <p:cNvGrpSpPr/>
+        <p:nvPr/>
+      </p:nvGrpSpPr>
+      <p:grpSpPr>
+        <a:xfrm>
+          <a:off x="0" y="0"/>
+          <a:ext cx="0" cy="0"/>
+          <a:chOff x="0" y="0"/>
+          <a:chExt cx="0" cy="0"/>
+        </a:xfrm>
+      </p:grpSpPr>
+      <p:sp>
+        <p:nvSpPr>
+          <p:cNvPr id="7169" name="Rectangle 1"/>
+          <p:cNvSpPr>
+            <a:spLocks noGrp="1" noChangeArrowheads="1"/>
+          </p:cNvSpPr>
+          <p:nvPr>
+            <p:ph type="title"/>
+          </p:nvPr>
+        </p:nvSpPr>
+        <p:spPr>
+          <a:ln/>
+        </p:spPr>
+        <p:txBody>
+          <a:bodyPr/>
+          <a:lstStyle/>
+          <a:p>
+            <a:r>
+              <a:rPr lang="en-US"/>
+              <a:t>API Manager Components</a:t>
+            </a:r>
+          </a:p>
+        </p:txBody>
+      </p:sp>
+      <p:pic>
+        <p:nvPicPr>
+          <p:cNvPr id="7170" name="Picture 2"/>
+          <p:cNvPicPr>
+            <a:picLocks noChangeAspect="1" noChangeArrowheads="1"/>
+          </p:cNvPicPr>
+          <p:nvPr/>
+        </p:nvPicPr>
+        <p:blipFill>
+          <a:blip r:embed="rId2">
+            <a:extLst>
+              <a:ext uri="{28A0092B-C50C-407E-A947-70E740481C1C}">
+                <a14:useLocalDpi xmlns:a14="http://schemas.microsoft.com/office/drawing/2010/main" val="0"/>
+              </a:ext>
+            </a:extLst>
+          </a:blip>
+          <a:srcRect/>
+          <a:stretch>
+            <a:fillRect/>
+          </a:stretch>
+        </p:blipFill>
+        <p:spPr bwMode="auto">
+          <a:xfrm>
+            <a:off x="591592" y="1330523"/>
+            <a:ext cx="7768828" cy="4889004"/>
+          </a:xfrm>
+          <a:prstGeom prst="rect">
+            <a:avLst/>
+          </a:prstGeom>
+          <a:noFill/>
+          <a:ln>
+            <a:noFill/>
+          </a:ln>
+          <a:extLst>
+            <a:ext uri="{909E8E84-426E-40dd-AFC4-6F175D3DCCD1}">
+              <a14:hiddenFill xmlns:a14="http://schemas.microsoft.com/office/drawing/2010/main">
+                <a:solidFill>
+                  <a:srgbClr val="FFFFFF"/>
+                </a:solidFill>
+              </a14:hiddenFill>
+            </a:ext>
+            <a:ext uri="{91240B29-F687-4f45-9708-019B960494DF}">
+              <a14:hiddenLine xmlns:a14="http://schemas.microsoft.com/office/drawing/2010/main" w="25400" cap="flat">
+                <a:solidFill>
+                  <a:schemeClr val="tx1"/>
+                </a:solidFill>
+                <a:round/>
+                <a:headEnd/>
+                <a:tailEnd/>
+              </a14:hiddenLine>
+            </a:ext>
+          </a:extLst>
+        </p:spPr>
+      </p:pic>
+    </p:spTree>
+    <p:extLst>
+      <p:ext uri="{BB962C8B-B14F-4D97-AF65-F5344CB8AC3E}">
+        <p14:creationId xmlns:p14="http://schemas.microsoft.com/office/powerpoint/2010/main" val="1398328523"/>
+      </p:ext>
+    </p:extLst>
+  </p:cSld>
+  <p:clrMapOvr>
+    <a:masterClrMapping/>
+  </p:clrMapOvr>
+  <mc:AlternateContent xmlns:mc="http://schemas.openxmlformats.org/markup-compatibility/2006" xmlns:p14="http://schemas.microsoft.com/office/powerpoint/2010/main">
+    <mc:Choice Requires="p14">
+      <p:transition spd="slow" p14:dur="2000"/>
+    </mc:Choice>
+    <mc:Fallback xmlns="">
+      <p:transition xmlns:p14="http://schemas.microsoft.com/office/powerpoint/2010/main" spd="slow"/>
+    </mc:Fallback>
+  </mc:AlternateContent>
+</p:sld>
+</file>
+
+<file path=ppt/slides/slide12.xml><?xml version="1.0" encoding="utf-8"?>
+<p:sld xmlns:a="http://schemas.openxmlformats.org/drawingml/2006/main" xmlns:r="http://schemas.openxmlformats.org/officeDocument/2006/relationships" xmlns:p="http://schemas.openxmlformats.org/presentationml/2006/main">
+  <p:cSld>
+    <p:spTree>
+      <p:nvGrpSpPr>
+        <p:cNvPr id="1" name=""/>
+        <p:cNvGrpSpPr/>
+        <p:nvPr/>
+      </p:nvGrpSpPr>
+      <p:grpSpPr>
+        <a:xfrm>
+          <a:off x="0" y="0"/>
+          <a:ext cx="0" cy="0"/>
+          <a:chOff x="0" y="0"/>
+          <a:chExt cx="0" cy="0"/>
+        </a:xfrm>
+      </p:grpSpPr>
+      <p:sp>
+        <p:nvSpPr>
+          <p:cNvPr id="10241" name="Rectangle 1"/>
+          <p:cNvSpPr>
+            <a:spLocks noGrp="1" noChangeArrowheads="1"/>
+          </p:cNvSpPr>
+          <p:nvPr>
+            <p:ph type="title"/>
+          </p:nvPr>
+        </p:nvSpPr>
+        <p:spPr>
+          <a:ln/>
+        </p:spPr>
+        <p:txBody>
+          <a:bodyPr/>
+          <a:lstStyle/>
+          <a:p>
+            <a:r>
+              <a:rPr lang="en-US"/>
+              <a:t>Understanding the Flow</a:t>
+            </a:r>
+          </a:p>
+        </p:txBody>
+      </p:sp>
+      <p:sp>
+        <p:nvSpPr>
+          <p:cNvPr id="10242" name="Rectangle 2"/>
+          <p:cNvSpPr>
+            <a:spLocks noGrp="1" noChangeArrowheads="1"/>
+          </p:cNvSpPr>
+          <p:nvPr>
+            <p:ph type="body" idx="1"/>
+          </p:nvPr>
+        </p:nvSpPr>
+        <p:spPr>
+          <a:ln/>
+        </p:spPr>
+        <p:txBody>
+          <a:bodyPr>
+            <a:normAutofit fontScale="92500" lnSpcReduction="10000"/>
+          </a:bodyPr>
+          <a:lstStyle/>
+          <a:p>
+            <a:pPr>
+              <a:spcBef>
+                <a:spcPct val="0"/>
+              </a:spcBef>
+            </a:pPr>
+            <a:r>
+              <a:rPr lang="en-US" sz="2100"/>
+              <a:t>API Creator adds API into API Manager</a:t>
+            </a:r>
+          </a:p>
+          <a:p>
+            <a:pPr marL="558086" lvl="1">
+              <a:spcBef>
+                <a:spcPts val="343"/>
+              </a:spcBef>
+            </a:pPr>
+            <a:r>
+              <a:rPr lang="en-US" sz="1800"/>
+              <a:t>[Optionally provides Sandbox endpoint]</a:t>
+            </a:r>
+          </a:p>
+          <a:p>
+            <a:pPr>
+              <a:spcBef>
+                <a:spcPts val="439"/>
+              </a:spcBef>
+            </a:pPr>
+            <a:r>
+              <a:rPr lang="en-US" sz="2100"/>
+              <a:t>API Publisher approves publish</a:t>
+            </a:r>
+          </a:p>
+          <a:p>
+            <a:pPr>
+              <a:spcBef>
+                <a:spcPts val="439"/>
+              </a:spcBef>
+            </a:pPr>
+            <a:r>
+              <a:rPr lang="en-US" sz="2100"/>
+              <a:t>API Consumer finds API</a:t>
+            </a:r>
+          </a:p>
+          <a:p>
+            <a:pPr>
+              <a:spcBef>
+                <a:spcPts val="439"/>
+              </a:spcBef>
+            </a:pPr>
+            <a:r>
+              <a:rPr lang="en-US" sz="2100"/>
+              <a:t>API Consumer subscribes to API and obtains a key</a:t>
+            </a:r>
+          </a:p>
+          <a:p>
+            <a:pPr marL="558086" lvl="1">
+              <a:spcBef>
+                <a:spcPts val="343"/>
+              </a:spcBef>
+            </a:pPr>
+            <a:r>
+              <a:rPr lang="en-US" sz="1800"/>
+              <a:t>[Optional an approval process is started]</a:t>
+            </a:r>
+          </a:p>
+          <a:p>
+            <a:pPr>
+              <a:spcBef>
+                <a:spcPts val="439"/>
+              </a:spcBef>
+            </a:pPr>
+            <a:r>
+              <a:rPr lang="en-US" sz="2100"/>
+              <a:t>OAuth2-based Key issued</a:t>
+            </a:r>
+          </a:p>
+          <a:p>
+            <a:pPr marL="558086" lvl="1">
+              <a:spcBef>
+                <a:spcPts val="343"/>
+              </a:spcBef>
+            </a:pPr>
+            <a:r>
+              <a:rPr lang="en-US" sz="1800"/>
+              <a:t>[Optionally issue both production and sandbox keys]</a:t>
+            </a:r>
+          </a:p>
+          <a:p>
+            <a:pPr>
+              <a:spcBef>
+                <a:spcPts val="439"/>
+              </a:spcBef>
+            </a:pPr>
+            <a:r>
+              <a:rPr lang="en-US" sz="2100"/>
+              <a:t>API Consumer application makes a call</a:t>
+            </a:r>
+          </a:p>
+          <a:p>
+            <a:pPr>
+              <a:spcBef>
+                <a:spcPts val="439"/>
+              </a:spcBef>
+            </a:pPr>
+            <a:r>
+              <a:rPr lang="en-US" sz="2100"/>
+              <a:t>API Key is validated</a:t>
+            </a:r>
+          </a:p>
+          <a:p>
+            <a:pPr>
+              <a:spcBef>
+                <a:spcPts val="439"/>
+              </a:spcBef>
+            </a:pPr>
+            <a:r>
+              <a:rPr lang="en-US" sz="2100"/>
+              <a:t>API Key metadata is used to identify:</a:t>
+            </a:r>
+          </a:p>
+          <a:p>
+            <a:pPr marL="558086" lvl="1">
+              <a:spcBef>
+                <a:spcPts val="343"/>
+              </a:spcBef>
+            </a:pPr>
+            <a:r>
+              <a:rPr lang="en-US" sz="1800"/>
+              <a:t>Throttling / Rate limiting policy</a:t>
+            </a:r>
+          </a:p>
+          <a:p>
+            <a:pPr marL="558086" lvl="1">
+              <a:spcBef>
+                <a:spcPts val="343"/>
+              </a:spcBef>
+            </a:pPr>
+            <a:r>
+              <a:rPr lang="en-US" sz="1800"/>
+              <a:t>Sandbox / Production endpoint</a:t>
+            </a:r>
+          </a:p>
+          <a:p>
+            <a:pPr marL="558086" lvl="1">
+              <a:spcBef>
+                <a:spcPts val="343"/>
+              </a:spcBef>
+            </a:pPr>
+            <a:r>
+              <a:rPr lang="en-US" sz="1800"/>
+              <a:t>Event is metered/monitored against the API, Key, IP address, etc</a:t>
+            </a:r>
+          </a:p>
+        </p:txBody>
+      </p:sp>
+    </p:spTree>
+    <p:extLst>
+      <p:ext uri="{BB962C8B-B14F-4D97-AF65-F5344CB8AC3E}">
+        <p14:creationId xmlns:p14="http://schemas.microsoft.com/office/powerpoint/2010/main" val="1538908941"/>
+      </p:ext>
+    </p:extLst>
+  </p:cSld>
+  <p:clrMapOvr>
+    <a:masterClrMapping/>
+  </p:clrMapOvr>
+  <mc:AlternateContent xmlns:mc="http://schemas.openxmlformats.org/markup-compatibility/2006" xmlns:p14="http://schemas.microsoft.com/office/powerpoint/2010/main">
+    <mc:Choice Requires="p14">
+      <p:transition spd="slow" p14:dur="2000"/>
+    </mc:Choice>
+    <mc:Fallback xmlns="">
+      <p:transition xmlns:p14="http://schemas.microsoft.com/office/powerpoint/2010/main" spd="slow"/>
+    </mc:Fallback>
+  </mc:AlternateContent>
+</p:sld>
+</file>
+
+<file path=ppt/slides/slide13.xml><?xml version="1.0" encoding="utf-8"?>
+<p:sld xmlns:a="http://schemas.openxmlformats.org/drawingml/2006/main" xmlns:r="http://schemas.openxmlformats.org/officeDocument/2006/relationships" xmlns:p="http://schemas.openxmlformats.org/presentationml/2006/main">
+  <p:cSld>
+    <p:spTree>
+      <p:nvGrpSpPr>
+        <p:cNvPr id="1" name=""/>
+        <p:cNvGrpSpPr/>
+        <p:nvPr/>
+      </p:nvGrpSpPr>
+      <p:grpSpPr>
+        <a:xfrm>
+          <a:off x="0" y="0"/>
+          <a:ext cx="0" cy="0"/>
+          <a:chOff x="0" y="0"/>
+          <a:chExt cx="0" cy="0"/>
+        </a:xfrm>
+      </p:grpSpPr>
+      <p:sp>
+        <p:nvSpPr>
+          <p:cNvPr id="28673" name="Rectangle 1"/>
+          <p:cNvSpPr>
+            <a:spLocks noGrp="1" noChangeArrowheads="1"/>
+          </p:cNvSpPr>
+          <p:nvPr>
+            <p:ph type="title"/>
+          </p:nvPr>
+        </p:nvSpPr>
+        <p:spPr/>
+        <p:txBody>
+          <a:bodyPr>
+            <a:normAutofit fontScale="90000"/>
+          </a:bodyPr>
+          <a:lstStyle/>
+          <a:p>
+            <a:pPr eaLnBrk="1" hangingPunct="1">
+              <a:defRPr/>
+            </a:pPr>
+            <a:r>
+              <a:rPr lang="en-US" dirty="0" smtClean="0"/>
+              <a:t>Using the API key to enable context</a:t>
+            </a:r>
+          </a:p>
+        </p:txBody>
+      </p:sp>
+      <p:pic>
+        <p:nvPicPr>
+          <p:cNvPr id="30722" name="Picture 2"/>
+          <p:cNvPicPr>
+            <a:picLocks noChangeAspect="1" noChangeArrowheads="1"/>
+          </p:cNvPicPr>
+          <p:nvPr/>
+        </p:nvPicPr>
+        <p:blipFill>
+          <a:blip r:embed="rId2">
+            <a:extLst>
+              <a:ext uri="{28A0092B-C50C-407E-A947-70E740481C1C}">
+                <a14:useLocalDpi xmlns:a14="http://schemas.microsoft.com/office/drawing/2010/main" val="0"/>
+              </a:ext>
+            </a:extLst>
+          </a:blip>
+          <a:srcRect/>
+          <a:stretch>
+            <a:fillRect/>
+          </a:stretch>
+        </p:blipFill>
+        <p:spPr bwMode="auto">
+          <a:xfrm>
+            <a:off x="231056" y="2268141"/>
+            <a:ext cx="8680772" cy="2778249"/>
+          </a:xfrm>
+          <a:prstGeom prst="rect">
+            <a:avLst/>
+          </a:prstGeom>
+          <a:noFill/>
+          <a:ln>
+            <a:noFill/>
+          </a:ln>
+          <a:extLst>
+            <a:ext uri="{909E8E84-426E-40dd-AFC4-6F175D3DCCD1}">
+              <a14:hiddenFill xmlns:a14="http://schemas.microsoft.com/office/drawing/2010/main">
+                <a:solidFill>
+                  <a:srgbClr val="FFFFFF"/>
+                </a:solidFill>
+              </a14:hiddenFill>
+            </a:ext>
+            <a:ext uri="{91240B29-F687-4f45-9708-019B960494DF}">
+              <a14:hiddenLine xmlns:a14="http://schemas.microsoft.com/office/drawing/2010/main" w="25400">
+                <a:solidFill>
+                  <a:schemeClr val="tx1"/>
+                </a:solidFill>
+                <a:round/>
+                <a:headEnd/>
+                <a:tailEnd/>
+              </a14:hiddenLine>
+            </a:ext>
+          </a:extLst>
+        </p:spPr>
+      </p:pic>
+    </p:spTree>
+    <p:extLst>
+      <p:ext uri="{BB962C8B-B14F-4D97-AF65-F5344CB8AC3E}">
+        <p14:creationId xmlns:p14="http://schemas.microsoft.com/office/powerpoint/2010/main" val="3759088289"/>
+      </p:ext>
+    </p:extLst>
+  </p:cSld>
+  <p:clrMapOvr>
+    <a:masterClrMapping/>
+  </p:clrMapOvr>
+  <mc:AlternateContent xmlns:mc="http://schemas.openxmlformats.org/markup-compatibility/2006" xmlns:p14="http://schemas.microsoft.com/office/powerpoint/2010/main">
+    <mc:Choice Requires="p14">
+      <p:transition spd="slow" p14:dur="2000"/>
+    </mc:Choice>
+    <mc:Fallback xmlns="">
+      <p:transition xmlns:p14="http://schemas.microsoft.com/office/powerpoint/2010/main" spd="slow"/>
+    </mc:Fallback>
+  </mc:AlternateContent>
+  <p:timing>
+    <p:tnLst>
+      <p:par>
+        <p:cTn xmlns:p14="http://schemas.microsoft.com/office/powerpoint/2010/main" id="1" dur="indefinite" restart="never" nodeType="tmRoot"/>
+      </p:par>
+    </p:tnLst>
+  </p:timing>
+</p:sld>
+</file>
+
+<file path=ppt/slides/slide14.xml><?xml version="1.0" encoding="utf-8"?>
+<p:sld xmlns:a="http://schemas.openxmlformats.org/drawingml/2006/main" xmlns:r="http://schemas.openxmlformats.org/officeDocument/2006/relationships" xmlns:p="http://schemas.openxmlformats.org/presentationml/2006/main">
+  <p:cSld>
+    <p:spTree>
+      <p:nvGrpSpPr>
+        <p:cNvPr id="1" name=""/>
+        <p:cNvGrpSpPr/>
+        <p:nvPr/>
+      </p:nvGrpSpPr>
+      <p:grpSpPr>
+        <a:xfrm>
+          <a:off x="0" y="0"/>
+          <a:ext cx="0" cy="0"/>
+          <a:chOff x="0" y="0"/>
+          <a:chExt cx="0" cy="0"/>
+        </a:xfrm>
+      </p:grpSpPr>
+      <p:sp>
+        <p:nvSpPr>
+          <p:cNvPr id="2" name="Title 1"/>
+          <p:cNvSpPr>
+            <a:spLocks noGrp="1"/>
+          </p:cNvSpPr>
+          <p:nvPr>
+            <p:ph type="title"/>
+          </p:nvPr>
+        </p:nvSpPr>
+        <p:spPr/>
+        <p:txBody>
+          <a:bodyPr/>
+          <a:lstStyle/>
+          <a:p>
+            <a:r>
+              <a:rPr lang="en-US" dirty="0" smtClean="0"/>
+              <a:t>API Management market</a:t>
+            </a:r>
+            <a:endParaRPr lang="en-US" dirty="0"/>
+          </a:p>
+        </p:txBody>
+      </p:sp>
+      <p:sp>
+        <p:nvSpPr>
+          <p:cNvPr id="3" name="Content Placeholder 2"/>
+          <p:cNvSpPr>
+            <a:spLocks noGrp="1"/>
+          </p:cNvSpPr>
+          <p:nvPr>
+            <p:ph idx="1"/>
+          </p:nvPr>
+        </p:nvSpPr>
+        <p:spPr/>
+        <p:txBody>
+          <a:bodyPr/>
+          <a:lstStyle/>
+          <a:p>
+            <a:r>
+              <a:rPr lang="en-US" dirty="0" err="1" smtClean="0"/>
+              <a:t>Apigee</a:t>
+            </a:r>
+            <a:endParaRPr lang="en-US" dirty="0" smtClean="0"/>
+          </a:p>
+          <a:p>
+            <a:r>
+              <a:rPr lang="en-US" dirty="0" smtClean="0"/>
+              <a:t>Layer7 / </a:t>
+            </a:r>
+            <a:r>
+              <a:rPr lang="en-US" dirty="0" err="1" smtClean="0"/>
+              <a:t>Apify</a:t>
+            </a:r>
+            <a:endParaRPr lang="en-US" dirty="0" smtClean="0"/>
+          </a:p>
+          <a:p>
+            <a:r>
+              <a:rPr lang="en-US" dirty="0" smtClean="0"/>
+              <a:t>3Scale</a:t>
+            </a:r>
+          </a:p>
+          <a:p>
+            <a:r>
+              <a:rPr lang="en-US" dirty="0" err="1" smtClean="0"/>
+              <a:t>Mashery</a:t>
+            </a:r>
+            <a:endParaRPr lang="en-US" dirty="0" smtClean="0"/>
+          </a:p>
+          <a:p>
+            <a:r>
+              <a:rPr lang="en-US" dirty="0" smtClean="0"/>
+              <a:t>IBM </a:t>
+            </a:r>
+            <a:r>
+              <a:rPr lang="en-US" dirty="0" err="1" smtClean="0"/>
+              <a:t>Castiron</a:t>
+            </a:r>
+            <a:endParaRPr lang="en-US" dirty="0" smtClean="0"/>
+          </a:p>
+          <a:p>
+            <a:r>
+              <a:rPr lang="en-US" dirty="0" smtClean="0"/>
+              <a:t>WSO2 API Manager</a:t>
+            </a:r>
+            <a:endParaRPr lang="en-US" dirty="0"/>
+          </a:p>
+        </p:txBody>
+      </p:sp>
+    </p:spTree>
+    <p:extLst>
+      <p:ext uri="{BB962C8B-B14F-4D97-AF65-F5344CB8AC3E}">
+        <p14:creationId xmlns:p14="http://schemas.microsoft.com/office/powerpoint/2010/main" val="744747162"/>
+      </p:ext>
+    </p:extLst>
+  </p:cSld>
+  <p:clrMapOvr>
+    <a:masterClrMapping/>
+  </p:clrMapOvr>
+</p:sld>
+</file>
+
+<file path=ppt/slides/slide15.xml><?xml version="1.0" encoding="utf-8"?>
+<p:sld xmlns:a="http://schemas.openxmlformats.org/drawingml/2006/main" xmlns:r="http://schemas.openxmlformats.org/officeDocument/2006/relationships" xmlns:p="http://schemas.openxmlformats.org/presentationml/2006/main">
+  <p:cSld>
+    <p:spTree>
+      <p:nvGrpSpPr>
+        <p:cNvPr id="1" name=""/>
+        <p:cNvGrpSpPr/>
+        <p:nvPr/>
+      </p:nvGrpSpPr>
+      <p:grpSpPr>
+        <a:xfrm>
+          <a:off x="0" y="0"/>
+          <a:ext cx="0" cy="0"/>
+          <a:chOff x="0" y="0"/>
+          <a:chExt cx="0" cy="0"/>
+        </a:xfrm>
+      </p:grpSpPr>
+      <p:sp>
+        <p:nvSpPr>
+          <p:cNvPr id="2" name="Title 1"/>
+          <p:cNvSpPr>
+            <a:spLocks noGrp="1"/>
+          </p:cNvSpPr>
+          <p:nvPr>
+            <p:ph type="title"/>
+          </p:nvPr>
+        </p:nvSpPr>
+        <p:spPr/>
+        <p:txBody>
+          <a:bodyPr/>
+          <a:lstStyle/>
+          <a:p>
+            <a:r>
+              <a:rPr lang="en-US" dirty="0" smtClean="0"/>
+              <a:t>Questions?</a:t>
+            </a:r>
+            <a:endParaRPr lang="en-US" dirty="0"/>
+          </a:p>
+        </p:txBody>
+      </p:sp>
+    </p:spTree>
+    <p:extLst>
+      <p:ext uri="{BB962C8B-B14F-4D97-AF65-F5344CB8AC3E}">
+        <p14:creationId xmlns:p14="http://schemas.microsoft.com/office/powerpoint/2010/main" val="2017936457"/>
+      </p:ext>
+    </p:extLst>
+  </p:cSld>
+  <p:clrMapOvr>
+    <a:masterClrMapping/>
+  </p:clrMapOvr>
+</p:sld>
+</file>
+
+<file path=ppt/slides/slide2.xml><?xml version="1.0" encoding="utf-8"?>
+<p:sld xmlns:a="http://schemas.openxmlformats.org/drawingml/2006/main" xmlns:r="http://schemas.openxmlformats.org/officeDocument/2006/relationships" xmlns:p="http://schemas.openxmlformats.org/presentationml/2006/main">
+  <p:cSld>
+    <p:spTree>
+      <p:nvGrpSpPr>
+        <p:cNvPr id="1" name=""/>
+        <p:cNvGrpSpPr/>
+        <p:nvPr/>
+      </p:nvGrpSpPr>
+      <p:grpSpPr>
+        <a:xfrm>
+          <a:off x="0" y="0"/>
+          <a:ext cx="0" cy="0"/>
+          <a:chOff x="0" y="0"/>
+          <a:chExt cx="0" cy="0"/>
+        </a:xfrm>
+      </p:grpSpPr>
+      <p:sp>
+        <p:nvSpPr>
+          <p:cNvPr id="2" name="Title 1"/>
+          <p:cNvSpPr>
+            <a:spLocks noGrp="1"/>
+          </p:cNvSpPr>
+          <p:nvPr>
+            <p:ph type="title"/>
+          </p:nvPr>
+        </p:nvSpPr>
+        <p:spPr/>
+        <p:txBody>
+          <a:bodyPr>
+            <a:normAutofit/>
+          </a:bodyPr>
+          <a:lstStyle/>
+          <a:p>
+            <a:r>
+              <a:rPr lang="en-US" dirty="0" smtClean="0"/>
+              <a:t>The Breakup of the Corporation</a:t>
+            </a:r>
+            <a:endParaRPr lang="en-US" dirty="0"/>
+          </a:p>
+        </p:txBody>
+      </p:sp>
+      <p:sp>
+        <p:nvSpPr>
+          <p:cNvPr id="5" name="Content Placeholder 4"/>
+          <p:cNvSpPr>
+            <a:spLocks noGrp="1"/>
+          </p:cNvSpPr>
+          <p:nvPr>
+            <p:ph idx="1"/>
+          </p:nvPr>
+        </p:nvSpPr>
+        <p:spPr/>
+        <p:txBody>
+          <a:bodyPr/>
+          <a:lstStyle/>
+          <a:p>
+            <a:endParaRPr lang="en-US"/>
+          </a:p>
+        </p:txBody>
+      </p:sp>
+      <p:pic>
+        <p:nvPicPr>
+          <p:cNvPr id="4" name="Picture 3"/>
+          <p:cNvPicPr>
+            <a:picLocks noChangeAspect="1"/>
+          </p:cNvPicPr>
+          <p:nvPr/>
+        </p:nvPicPr>
+        <p:blipFill>
+          <a:blip r:embed="rId2"/>
+          <a:stretch>
+            <a:fillRect/>
+          </a:stretch>
+        </p:blipFill>
+        <p:spPr>
+          <a:xfrm>
+            <a:off x="457200" y="1409700"/>
+            <a:ext cx="8229600" cy="5182204"/>
+          </a:xfrm>
+          <a:prstGeom prst="rect">
+            <a:avLst/>
+          </a:prstGeom>
+        </p:spPr>
+      </p:pic>
+    </p:spTree>
+    <p:extLst>
+      <p:ext uri="{BB962C8B-B14F-4D97-AF65-F5344CB8AC3E}">
+        <p14:creationId xmlns:p14="http://schemas.microsoft.com/office/powerpoint/2010/main" val="419989542"/>
+      </p:ext>
+    </p:extLst>
+  </p:cSld>
+  <p:clrMapOvr>
+    <a:masterClrMapping/>
+  </p:clrMapOvr>
+</p:sld>
+</file>
+
+<file path=ppt/slides/slide3.xml><?xml version="1.0" encoding="utf-8"?>
+<p:sld xmlns:a="http://schemas.openxmlformats.org/drawingml/2006/main" xmlns:r="http://schemas.openxmlformats.org/officeDocument/2006/relationships" xmlns:p="http://schemas.openxmlformats.org/presentationml/2006/main">
+  <p:cSld>
+    <p:spTree>
+      <p:nvGrpSpPr>
+        <p:cNvPr id="1" name=""/>
+        <p:cNvGrpSpPr/>
+        <p:nvPr/>
+      </p:nvGrpSpPr>
+      <p:grpSpPr>
+        <a:xfrm>
+          <a:off x="0" y="0"/>
+          <a:ext cx="0" cy="0"/>
+          <a:chOff x="0" y="0"/>
+          <a:chExt cx="0" cy="0"/>
+        </a:xfrm>
+      </p:grpSpPr>
+      <p:sp>
+        <p:nvSpPr>
+          <p:cNvPr id="5121" name="Rectangle 1"/>
+          <p:cNvSpPr>
+            <a:spLocks noGrp="1" noChangeArrowheads="1"/>
+          </p:cNvSpPr>
+          <p:nvPr>
+            <p:ph type="title"/>
+          </p:nvPr>
+        </p:nvSpPr>
+        <p:spPr>
+          <a:ln/>
+        </p:spPr>
+        <p:txBody>
+          <a:bodyPr/>
+          <a:lstStyle/>
+          <a:p>
+            <a:r>
+              <a:rPr lang="en-US"/>
+              <a:t>APIs</a:t>
+            </a:r>
+          </a:p>
+        </p:txBody>
+      </p:sp>
+      <p:sp>
+        <p:nvSpPr>
+          <p:cNvPr id="5122" name="Rectangle 2"/>
+          <p:cNvSpPr>
+            <a:spLocks noGrp="1" noChangeArrowheads="1"/>
+          </p:cNvSpPr>
+          <p:nvPr>
+            <p:ph type="body" idx="1"/>
+          </p:nvPr>
+        </p:nvSpPr>
+        <p:spPr>
+          <a:ln/>
+        </p:spPr>
+        <p:txBody>
+          <a:bodyPr>
+            <a:normAutofit fontScale="92500" lnSpcReduction="10000"/>
+          </a:bodyPr>
+          <a:lstStyle/>
+          <a:p>
+            <a:r>
+              <a:rPr lang="en-US" sz="2700" b="1"/>
+              <a:t>An API</a:t>
+            </a:r>
+            <a:r>
+              <a:rPr lang="en-US" sz="2700"/>
+              <a:t> is a business capability delivered over the Internet to internal or external consumers</a:t>
+            </a:r>
+          </a:p>
+          <a:p>
+            <a:pPr marL="558086" lvl="1"/>
+            <a:r>
+              <a:rPr lang="en-US" sz="2200"/>
+              <a:t>Network accessible function </a:t>
+            </a:r>
+          </a:p>
+          <a:p>
+            <a:pPr marL="558086" lvl="1"/>
+            <a:r>
+              <a:rPr lang="en-US" sz="2200"/>
+              <a:t>Available using standard web protocols</a:t>
+            </a:r>
+          </a:p>
+          <a:p>
+            <a:pPr marL="558086" lvl="1"/>
+            <a:r>
+              <a:rPr lang="en-US" sz="2200"/>
+              <a:t>With well-defined interfaces</a:t>
+            </a:r>
+          </a:p>
+          <a:p>
+            <a:pPr marL="558086" lvl="1"/>
+            <a:r>
+              <a:rPr lang="en-US" sz="2200"/>
+              <a:t>Designed for access by third-parties</a:t>
+            </a:r>
+            <a:br>
+              <a:rPr lang="en-US" sz="2200"/>
+            </a:br>
+            <a:endParaRPr lang="en-US" sz="2200"/>
+          </a:p>
+          <a:p>
+            <a:r>
+              <a:rPr lang="en-US" sz="2700" b="1"/>
+              <a:t>A Managed API</a:t>
+            </a:r>
+            <a:r>
+              <a:rPr lang="en-US" sz="2700"/>
+              <a:t> is:</a:t>
+            </a:r>
+          </a:p>
+          <a:p>
+            <a:pPr marL="558086" lvl="1"/>
+            <a:r>
+              <a:rPr lang="en-US" sz="2200"/>
+              <a:t>Actively advertised and subscribe-able</a:t>
+            </a:r>
+          </a:p>
+          <a:p>
+            <a:pPr marL="558086" lvl="1"/>
+            <a:r>
+              <a:rPr lang="en-US" sz="2200"/>
+              <a:t>Available with SLAs</a:t>
+            </a:r>
+          </a:p>
+          <a:p>
+            <a:pPr marL="558086" lvl="1"/>
+            <a:r>
+              <a:rPr lang="en-US" sz="2200"/>
+              <a:t>Secured, authenticated, authorized and protected</a:t>
+            </a:r>
+          </a:p>
+          <a:p>
+            <a:pPr marL="558086" lvl="1"/>
+            <a:r>
+              <a:rPr lang="en-US" sz="2200"/>
+              <a:t>Monitored and monetized with analytics</a:t>
+            </a:r>
+          </a:p>
+        </p:txBody>
+      </p:sp>
+    </p:spTree>
+    <p:extLst>
+      <p:ext uri="{BB962C8B-B14F-4D97-AF65-F5344CB8AC3E}">
+        <p14:creationId xmlns:p14="http://schemas.microsoft.com/office/powerpoint/2010/main" val="4004756126"/>
+      </p:ext>
+    </p:extLst>
+  </p:cSld>
+  <p:clrMapOvr>
+    <a:masterClrMapping/>
+  </p:clrMapOvr>
+  <mc:AlternateContent xmlns:mc="http://schemas.openxmlformats.org/markup-compatibility/2006" xmlns:p14="http://schemas.microsoft.com/office/powerpoint/2010/main">
+    <mc:Choice Requires="p14">
+      <p:transition spd="slow" p14:dur="2000"/>
+    </mc:Choice>
+    <mc:Fallback xmlns="">
+      <p:transition xmlns:p14="http://schemas.microsoft.com/office/powerpoint/2010/main" spd="slow"/>
+    </mc:Fallback>
+  </mc:AlternateContent>
+</p:sld>
+</file>
+
+<file path=ppt/slides/slide4.xml><?xml version="1.0" encoding="utf-8"?>
+<p:sld xmlns:a="http://schemas.openxmlformats.org/drawingml/2006/main" xmlns:r="http://schemas.openxmlformats.org/officeDocument/2006/relationships" xmlns:p="http://schemas.openxmlformats.org/presentationml/2006/main">
+  <p:cSld>
+    <p:spTree>
+      <p:nvGrpSpPr>
+        <p:cNvPr id="1" name=""/>
+        <p:cNvGrpSpPr/>
+        <p:nvPr/>
+      </p:nvGrpSpPr>
+      <p:grpSpPr>
+        <a:xfrm>
+          <a:off x="0" y="0"/>
+          <a:ext cx="0" cy="0"/>
+          <a:chOff x="0" y="0"/>
+          <a:chExt cx="0" cy="0"/>
+        </a:xfrm>
+      </p:grpSpPr>
+      <p:sp>
+        <p:nvSpPr>
+          <p:cNvPr id="2" name="Title 1"/>
+          <p:cNvSpPr>
+            <a:spLocks noGrp="1"/>
+          </p:cNvSpPr>
+          <p:nvPr>
+            <p:ph type="title"/>
+          </p:nvPr>
+        </p:nvSpPr>
+        <p:spPr/>
+        <p:txBody>
+          <a:bodyPr/>
+          <a:lstStyle/>
+          <a:p>
+            <a:r>
+              <a:rPr lang="en-US" dirty="0" smtClean="0"/>
+              <a:t>APIs All the Way…</a:t>
+            </a:r>
+            <a:endParaRPr lang="en-US" dirty="0"/>
+          </a:p>
+        </p:txBody>
+      </p:sp>
+      <p:pic>
+        <p:nvPicPr>
+          <p:cNvPr id="4" name="Picture 2"/>
+          <p:cNvPicPr>
+            <a:picLocks noGrp="1" noChangeAspect="1" noChangeArrowheads="1"/>
+          </p:cNvPicPr>
+          <p:nvPr>
+            <p:ph idx="1"/>
+          </p:nvPr>
+        </p:nvPicPr>
+        <p:blipFill>
+          <a:blip r:embed="rId2"/>
+          <a:srcRect/>
+          <a:stretch>
+            <a:fillRect/>
+          </a:stretch>
+        </p:blipFill>
+        <p:spPr bwMode="auto">
+          <a:xfrm>
+            <a:off x="1200784" y="1550378"/>
+            <a:ext cx="6943599" cy="3938618"/>
+          </a:xfrm>
+          <a:prstGeom prst="rect">
+            <a:avLst/>
+          </a:prstGeom>
+          <a:noFill/>
+          <a:ln w="9525">
+            <a:noFill/>
+            <a:round/>
+            <a:headEnd/>
+            <a:tailEnd/>
+          </a:ln>
+          <a:effectLst/>
+        </p:spPr>
+      </p:pic>
+    </p:spTree>
+    <p:extLst>
+      <p:ext uri="{BB962C8B-B14F-4D97-AF65-F5344CB8AC3E}">
+        <p14:creationId xmlns:p14="http://schemas.microsoft.com/office/powerpoint/2010/main" val="3680598348"/>
+      </p:ext>
+    </p:extLst>
+  </p:cSld>
+  <p:clrMapOvr>
+    <a:masterClrMapping/>
+  </p:clrMapOvr>
+  <p:timing>
+    <p:tnLst>
+      <p:par>
+        <p:cTn xmlns:p14="http://schemas.microsoft.com/office/powerpoint/2010/main" id="1" dur="indefinite" restart="never" nodeType="tmRoot"/>
+      </p:par>
+    </p:tnLst>
+  </p:timing>
+</p:sld>
+</file>
+
+<file path=ppt/slides/slide5.xml><?xml version="1.0" encoding="utf-8"?>
+<p:sld xmlns:a="http://schemas.openxmlformats.org/drawingml/2006/main" xmlns:r="http://schemas.openxmlformats.org/officeDocument/2006/relationships" xmlns:p="http://schemas.openxmlformats.org/presentationml/2006/main">
+  <p:cSld>
+    <p:spTree>
+      <p:nvGrpSpPr>
+        <p:cNvPr id="1" name=""/>
+        <p:cNvGrpSpPr/>
+        <p:nvPr/>
+      </p:nvGrpSpPr>
+      <p:grpSpPr>
+        <a:xfrm>
+          <a:off x="0" y="0"/>
+          <a:ext cx="0" cy="0"/>
+          <a:chOff x="0" y="0"/>
+          <a:chExt cx="0" cy="0"/>
+        </a:xfrm>
+      </p:grpSpPr>
+      <p:sp>
+        <p:nvSpPr>
+          <p:cNvPr id="19457" name="Title 1"/>
+          <p:cNvSpPr>
+            <a:spLocks noGrp="1"/>
+          </p:cNvSpPr>
+          <p:nvPr>
+            <p:ph type="title"/>
+          </p:nvPr>
+        </p:nvSpPr>
+        <p:spPr>
+          <a:xfrm>
+            <a:off x="522786" y="0"/>
+            <a:ext cx="8819644" cy="882420"/>
+          </a:xfrm>
+        </p:spPr>
+        <p:txBody>
+          <a:bodyPr>
+            <a:normAutofit/>
+          </a:bodyPr>
+          <a:lstStyle/>
+          <a:p>
+            <a:pPr eaLnBrk="1" hangingPunct="1"/>
+            <a:r>
+              <a:rPr lang="en-US" dirty="0"/>
+              <a:t>Don’t ignore API Proliferation</a:t>
+            </a:r>
+            <a:r>
+              <a:rPr lang="en-US" sz="4000" dirty="0"/>
+              <a:t> </a:t>
+            </a:r>
+          </a:p>
+        </p:txBody>
+      </p:sp>
+      <p:pic>
+        <p:nvPicPr>
+          <p:cNvPr id="19458" name="Content Placeholder 4" descr="programmableweb-4000-apis.jpg"/>
+          <p:cNvPicPr>
+            <a:picLocks noGrp="1" noChangeAspect="1"/>
+          </p:cNvPicPr>
+          <p:nvPr>
+            <p:ph idx="1"/>
+          </p:nvPr>
+        </p:nvPicPr>
+        <p:blipFill>
+          <a:blip r:embed="rId3">
+            <a:extLst>
+              <a:ext uri="{28A0092B-C50C-407E-A947-70E740481C1C}">
+                <a14:useLocalDpi xmlns:a14="http://schemas.microsoft.com/office/drawing/2010/main" val="0"/>
+              </a:ext>
+            </a:extLst>
+          </a:blip>
+          <a:srcRect t="4973" b="4973"/>
+          <a:stretch>
+            <a:fillRect/>
+          </a:stretch>
+        </p:blipFill>
+        <p:spPr>
+          <a:xfrm>
+            <a:off x="522786" y="882420"/>
+            <a:ext cx="8229600" cy="5043543"/>
+          </a:xfrm>
+        </p:spPr>
+      </p:pic>
+      <p:sp>
+        <p:nvSpPr>
+          <p:cNvPr id="19459" name="TextBox 3"/>
+          <p:cNvSpPr txBox="1">
+            <a:spLocks noChangeArrowheads="1"/>
+          </p:cNvSpPr>
+          <p:nvPr/>
+        </p:nvSpPr>
+        <p:spPr bwMode="auto">
+          <a:xfrm>
+            <a:off x="457200" y="6289675"/>
+            <a:ext cx="8229600" cy="584769"/>
+          </a:xfrm>
+          <a:prstGeom prst="rect">
+            <a:avLst/>
+          </a:prstGeom>
+          <a:noFill/>
+          <a:ln>
+            <a:noFill/>
+          </a:ln>
+          <a:extLst>
+            <a:ext uri="{909E8E84-426E-40dd-AFC4-6F175D3DCCD1}">
+              <a14:hiddenFill xmlns:a14="http://schemas.microsoft.com/office/drawing/2010/main">
+                <a:solidFill>
+                  <a:srgbClr val="FFFFFF"/>
+                </a:solidFill>
+              </a14:hiddenFill>
+            </a:ext>
+            <a:ext uri="{91240B29-F687-4f45-9708-019B960494DF}">
+              <a14:hiddenLine xmlns:a14="http://schemas.microsoft.com/office/drawing/2010/main" w="9525">
+                <a:solidFill>
+                  <a:srgbClr val="000000"/>
+                </a:solidFill>
+                <a:miter lim="800000"/>
+                <a:headEnd/>
+                <a:tailEnd/>
+              </a14:hiddenLine>
+            </a:ext>
+          </a:extLst>
+        </p:spPr>
+        <p:txBody>
+          <a:bodyPr lIns="91432" tIns="45717" rIns="91432" bIns="45717">
+            <a:spAutoFit/>
+          </a:bodyPr>
+          <a:lstStyle>
+            <a:lvl1pPr eaLnBrk="0" hangingPunct="0">
+              <a:defRPr sz="2400">
+                <a:solidFill>
+                  <a:schemeClr val="tx1"/>
+                </a:solidFill>
+                <a:latin typeface="Calibri" charset="0"/>
+                <a:ea typeface="ＭＳ Ｐゴシック" charset="0"/>
+                <a:cs typeface="ＭＳ Ｐゴシック" charset="0"/>
+              </a:defRPr>
+            </a:lvl1pPr>
+            <a:lvl2pPr marL="742950" indent="-285750" eaLnBrk="0" hangingPunct="0">
+              <a:defRPr sz="2400">
+                <a:solidFill>
+                  <a:schemeClr val="tx1"/>
+                </a:solidFill>
+                <a:latin typeface="Calibri" charset="0"/>
+                <a:ea typeface="ＭＳ Ｐゴシック" charset="0"/>
+              </a:defRPr>
+            </a:lvl2pPr>
+            <a:lvl3pPr marL="1143000" indent="-228600" eaLnBrk="0" hangingPunct="0">
+              <a:defRPr sz="2400">
+                <a:solidFill>
+                  <a:schemeClr val="tx1"/>
+                </a:solidFill>
+                <a:latin typeface="Calibri" charset="0"/>
+                <a:ea typeface="ＭＳ Ｐゴシック" charset="0"/>
+              </a:defRPr>
+            </a:lvl3pPr>
+            <a:lvl4pPr marL="1600200" indent="-228600" eaLnBrk="0" hangingPunct="0">
+              <a:defRPr sz="2400">
+                <a:solidFill>
+                  <a:schemeClr val="tx1"/>
+                </a:solidFill>
+                <a:latin typeface="Calibri" charset="0"/>
+                <a:ea typeface="ＭＳ Ｐゴシック" charset="0"/>
+              </a:defRPr>
+            </a:lvl4pPr>
+            <a:lvl5pPr marL="2057400" indent="-228600" eaLnBrk="0" hangingPunct="0">
+              <a:defRPr sz="2400">
+                <a:solidFill>
+                  <a:schemeClr val="tx1"/>
+                </a:solidFill>
+                <a:latin typeface="Calibri" charset="0"/>
+                <a:ea typeface="ＭＳ Ｐゴシック" charset="0"/>
+              </a:defRPr>
+            </a:lvl5pPr>
+            <a:lvl6pPr marL="2514600" indent="-228600" eaLnBrk="0" fontAlgn="base" hangingPunct="0">
+              <a:spcBef>
+                <a:spcPct val="0"/>
+              </a:spcBef>
+              <a:spcAft>
+                <a:spcPct val="0"/>
+              </a:spcAft>
+              <a:defRPr sz="2400">
+                <a:solidFill>
+                  <a:schemeClr val="tx1"/>
+                </a:solidFill>
+                <a:latin typeface="Calibri" charset="0"/>
+                <a:ea typeface="ＭＳ Ｐゴシック" charset="0"/>
+              </a:defRPr>
+            </a:lvl6pPr>
+            <a:lvl7pPr marL="2971800" indent="-228600" eaLnBrk="0" fontAlgn="base" hangingPunct="0">
+              <a:spcBef>
+                <a:spcPct val="0"/>
+              </a:spcBef>
+              <a:spcAft>
+                <a:spcPct val="0"/>
+              </a:spcAft>
+              <a:defRPr sz="2400">
+                <a:solidFill>
+                  <a:schemeClr val="tx1"/>
+                </a:solidFill>
+                <a:latin typeface="Calibri" charset="0"/>
+                <a:ea typeface="ＭＳ Ｐゴシック" charset="0"/>
+              </a:defRPr>
+            </a:lvl7pPr>
+            <a:lvl8pPr marL="3429000" indent="-228600" eaLnBrk="0" fontAlgn="base" hangingPunct="0">
+              <a:spcBef>
+                <a:spcPct val="0"/>
+              </a:spcBef>
+              <a:spcAft>
+                <a:spcPct val="0"/>
+              </a:spcAft>
+              <a:defRPr sz="2400">
+                <a:solidFill>
+                  <a:schemeClr val="tx1"/>
+                </a:solidFill>
+                <a:latin typeface="Calibri" charset="0"/>
+                <a:ea typeface="ＭＳ Ｐゴシック" charset="0"/>
+              </a:defRPr>
+            </a:lvl8pPr>
+            <a:lvl9pPr marL="3886200" indent="-228600" eaLnBrk="0" fontAlgn="base" hangingPunct="0">
+              <a:spcBef>
+                <a:spcPct val="0"/>
+              </a:spcBef>
+              <a:spcAft>
+                <a:spcPct val="0"/>
+              </a:spcAft>
+              <a:defRPr sz="2400">
+                <a:solidFill>
+                  <a:schemeClr val="tx1"/>
+                </a:solidFill>
+                <a:latin typeface="Calibri" charset="0"/>
+                <a:ea typeface="ＭＳ Ｐゴシック" charset="0"/>
+              </a:defRPr>
+            </a:lvl9pPr>
+          </a:lstStyle>
+          <a:p>
+            <a:pPr eaLnBrk="1" hangingPunct="1"/>
+            <a:r>
+              <a:rPr lang="en-US" sz="1400"/>
+              <a:t>Source: http://blog.programmableweb.com/2011/10/03/4000-web-apis-whats-hot-and-whats-next/</a:t>
+            </a:r>
+          </a:p>
+          <a:p>
+            <a:pPr eaLnBrk="1" hangingPunct="1"/>
+            <a:endParaRPr lang="en-US" sz="1800"/>
+          </a:p>
+        </p:txBody>
+      </p:sp>
+    </p:spTree>
+    <p:extLst>
+      <p:ext uri="{BB962C8B-B14F-4D97-AF65-F5344CB8AC3E}">
+        <p14:creationId xmlns:p14="http://schemas.microsoft.com/office/powerpoint/2010/main" val="1732714475"/>
+      </p:ext>
+    </p:extLst>
+  </p:cSld>
+  <p:clrMapOvr>
+    <a:masterClrMapping/>
+  </p:clrMapOvr>
+  <p:timing>
+    <p:tnLst>
+      <p:par>
+        <p:cTn xmlns:p14="http://schemas.microsoft.com/office/powerpoint/2010/main" id="1" dur="indefinite" restart="never" nodeType="tmRoot"/>
+      </p:par>
+    </p:tnLst>
+  </p:timing>
+</p:sld>
+</file>
+
+<file path=ppt/slides/slide6.xml><?xml version="1.0" encoding="utf-8"?>
+<p:sld xmlns:a="http://schemas.openxmlformats.org/drawingml/2006/main" xmlns:r="http://schemas.openxmlformats.org/officeDocument/2006/relationships" xmlns:p="http://schemas.openxmlformats.org/presentationml/2006/main">
+  <p:cSld>
+    <p:spTree>
+      <p:nvGrpSpPr>
+        <p:cNvPr id="1" name=""/>
+        <p:cNvGrpSpPr/>
+        <p:nvPr/>
+      </p:nvGrpSpPr>
+      <p:grpSpPr>
+        <a:xfrm>
+          <a:off x="0" y="0"/>
+          <a:ext cx="0" cy="0"/>
+          <a:chOff x="0" y="0"/>
+          <a:chExt cx="0" cy="0"/>
+        </a:xfrm>
+      </p:grpSpPr>
+      <p:sp>
+        <p:nvSpPr>
+          <p:cNvPr id="2" name="Title 1"/>
+          <p:cNvSpPr>
+            <a:spLocks noGrp="1"/>
+          </p:cNvSpPr>
+          <p:nvPr>
+            <p:ph type="title"/>
+          </p:nvPr>
+        </p:nvSpPr>
+        <p:spPr/>
+        <p:txBody>
+          <a:bodyPr/>
+          <a:lstStyle/>
+          <a:p>
+            <a:r>
+              <a:rPr lang="en-US" dirty="0" smtClean="0"/>
+              <a:t>Some Statistics</a:t>
+            </a:r>
+            <a:endParaRPr lang="en-US" dirty="0"/>
+          </a:p>
+        </p:txBody>
+      </p:sp>
+      <p:sp>
+        <p:nvSpPr>
+          <p:cNvPr id="3" name="Content Placeholder 2"/>
+          <p:cNvSpPr>
+            <a:spLocks noGrp="1"/>
+          </p:cNvSpPr>
+          <p:nvPr>
+            <p:ph idx="1"/>
+          </p:nvPr>
+        </p:nvSpPr>
+        <p:spPr/>
+        <p:txBody>
+          <a:bodyPr>
+            <a:normAutofit/>
+          </a:bodyPr>
+          <a:lstStyle/>
+          <a:p>
+            <a:pPr marL="195864" indent="-195864" algn="ctr">
+              <a:lnSpc>
+                <a:spcPct val="140000"/>
+              </a:lnSpc>
+              <a:buFont typeface="Arial" pitchFamily="34" charset="0"/>
+              <a:buChar char="•"/>
+              <a:tabLst>
+                <a:tab pos="656722" algn="l"/>
+                <a:tab pos="1313444" algn="l"/>
+                <a:tab pos="1970166" algn="l"/>
+                <a:tab pos="2626888" algn="l"/>
+                <a:tab pos="3283610" algn="l"/>
+                <a:tab pos="3940332" algn="l"/>
+                <a:tab pos="4597055" algn="l"/>
+                <a:tab pos="5253777" algn="l"/>
+                <a:tab pos="5910499" algn="l"/>
+                <a:tab pos="6567221" algn="l"/>
+                <a:tab pos="7223943" algn="l"/>
+              </a:tabLst>
+            </a:pPr>
+            <a:r>
+              <a:rPr lang="en-US" sz="1800" dirty="0" smtClean="0">
+                <a:cs typeface="ＭＳ Ｐゴシック" charset="0"/>
+              </a:rPr>
+              <a:t>Twitter : More than 15 billion calls per day 75% through APIs</a:t>
+            </a:r>
+          </a:p>
+          <a:p>
+            <a:pPr marL="195864" indent="-195864" algn="ctr">
+              <a:lnSpc>
+                <a:spcPct val="140000"/>
+              </a:lnSpc>
+              <a:buFont typeface="Arial" pitchFamily="34" charset="0"/>
+              <a:buChar char="•"/>
+              <a:tabLst>
+                <a:tab pos="656722" algn="l"/>
+                <a:tab pos="1313444" algn="l"/>
+                <a:tab pos="1970166" algn="l"/>
+                <a:tab pos="2626888" algn="l"/>
+                <a:tab pos="3283610" algn="l"/>
+                <a:tab pos="3940332" algn="l"/>
+                <a:tab pos="4597055" algn="l"/>
+                <a:tab pos="5253777" algn="l"/>
+                <a:tab pos="5910499" algn="l"/>
+                <a:tab pos="6567221" algn="l"/>
+                <a:tab pos="7223943" algn="l"/>
+              </a:tabLst>
+            </a:pPr>
+            <a:r>
+              <a:rPr lang="en-US" sz="1800" dirty="0" smtClean="0">
+                <a:cs typeface="ＭＳ Ｐゴシック" charset="0"/>
+              </a:rPr>
+              <a:t>Netflix : More than 1 </a:t>
+            </a:r>
+            <a:r>
+              <a:rPr lang="en-US" sz="1600" dirty="0" smtClean="0">
+                <a:cs typeface="ＭＳ Ｐゴシック" charset="0"/>
+              </a:rPr>
+              <a:t>billion</a:t>
+            </a:r>
+            <a:r>
+              <a:rPr lang="en-US" sz="1800" dirty="0" smtClean="0">
+                <a:cs typeface="ＭＳ Ｐゴシック" charset="0"/>
+              </a:rPr>
+              <a:t> calls per day </a:t>
+            </a:r>
+          </a:p>
+          <a:p>
+            <a:pPr marL="195864" indent="-195864" algn="ctr">
+              <a:lnSpc>
+                <a:spcPct val="140000"/>
+              </a:lnSpc>
+              <a:buFont typeface="Arial" pitchFamily="34" charset="0"/>
+              <a:buChar char="•"/>
+              <a:tabLst>
+                <a:tab pos="656722" algn="l"/>
+                <a:tab pos="1313444" algn="l"/>
+                <a:tab pos="1970166" algn="l"/>
+                <a:tab pos="2626888" algn="l"/>
+                <a:tab pos="3283610" algn="l"/>
+                <a:tab pos="3940332" algn="l"/>
+                <a:tab pos="4597055" algn="l"/>
+                <a:tab pos="5253777" algn="l"/>
+                <a:tab pos="5910499" algn="l"/>
+                <a:tab pos="6567221" algn="l"/>
+                <a:tab pos="7223943" algn="l"/>
+              </a:tabLst>
+            </a:pPr>
+            <a:r>
+              <a:rPr lang="en-US" sz="1800" dirty="0" err="1" smtClean="0">
+                <a:cs typeface="ＭＳ Ｐゴシック" charset="0"/>
+              </a:rPr>
+              <a:t>Facebook</a:t>
+            </a:r>
+            <a:r>
+              <a:rPr lang="en-US" sz="1800" dirty="0" smtClean="0">
+                <a:cs typeface="ＭＳ Ｐゴシック" charset="0"/>
+              </a:rPr>
+              <a:t> : More than 5 billion calls per day </a:t>
+            </a:r>
+          </a:p>
+          <a:p>
+            <a:pPr marL="195864" indent="-195864" algn="ctr">
+              <a:lnSpc>
+                <a:spcPct val="140000"/>
+              </a:lnSpc>
+              <a:buFont typeface="Arial" pitchFamily="34" charset="0"/>
+              <a:buChar char="•"/>
+              <a:tabLst>
+                <a:tab pos="656722" algn="l"/>
+                <a:tab pos="1313444" algn="l"/>
+                <a:tab pos="1970166" algn="l"/>
+                <a:tab pos="2626888" algn="l"/>
+                <a:tab pos="3283610" algn="l"/>
+                <a:tab pos="3940332" algn="l"/>
+                <a:tab pos="4597055" algn="l"/>
+                <a:tab pos="5253777" algn="l"/>
+                <a:tab pos="5910499" algn="l"/>
+                <a:tab pos="6567221" algn="l"/>
+                <a:tab pos="7223943" algn="l"/>
+              </a:tabLst>
+            </a:pPr>
+            <a:r>
+              <a:rPr lang="en-US" sz="1800" dirty="0" smtClean="0">
+                <a:cs typeface="ＭＳ Ｐゴシック" charset="0"/>
+              </a:rPr>
+              <a:t>Amazon : More than 260 billion objects store in S3</a:t>
+            </a:r>
+          </a:p>
+          <a:p>
+            <a:pPr marL="195864" indent="-195864" algn="ctr">
+              <a:lnSpc>
+                <a:spcPct val="140000"/>
+              </a:lnSpc>
+              <a:buFont typeface="Arial" pitchFamily="34" charset="0"/>
+              <a:buChar char="•"/>
+              <a:tabLst>
+                <a:tab pos="656722" algn="l"/>
+                <a:tab pos="1313444" algn="l"/>
+                <a:tab pos="1970166" algn="l"/>
+                <a:tab pos="2626888" algn="l"/>
+                <a:tab pos="3283610" algn="l"/>
+                <a:tab pos="3940332" algn="l"/>
+                <a:tab pos="4597055" algn="l"/>
+                <a:tab pos="5253777" algn="l"/>
+                <a:tab pos="5910499" algn="l"/>
+                <a:tab pos="6567221" algn="l"/>
+                <a:tab pos="7223943" algn="l"/>
+              </a:tabLst>
+            </a:pPr>
+            <a:r>
+              <a:rPr lang="en-US" sz="1800" dirty="0" smtClean="0">
+                <a:cs typeface="ＭＳ Ｐゴシック" charset="0"/>
+              </a:rPr>
+              <a:t>eBay : More than 2 billion transactions </a:t>
+            </a:r>
+            <a:r>
+              <a:rPr lang="en-US" sz="1800" smtClean="0">
+                <a:cs typeface="ＭＳ Ｐゴシック" charset="0"/>
+              </a:rPr>
+              <a:t>per day</a:t>
+            </a:r>
+            <a:endParaRPr lang="en-US" sz="1800" dirty="0"/>
+          </a:p>
+        </p:txBody>
+      </p:sp>
+      <p:pic>
+        <p:nvPicPr>
+          <p:cNvPr id="4" name="Picture 1"/>
+          <p:cNvPicPr>
+            <a:picLocks noChangeAspect="1" noChangeArrowheads="1"/>
+          </p:cNvPicPr>
+          <p:nvPr/>
+        </p:nvPicPr>
+        <p:blipFill>
+          <a:blip r:embed="rId2"/>
+          <a:srcRect/>
+          <a:stretch>
+            <a:fillRect/>
+          </a:stretch>
+        </p:blipFill>
+        <p:spPr bwMode="auto">
+          <a:xfrm>
+            <a:off x="3897779" y="3832084"/>
+            <a:ext cx="2227292" cy="1022078"/>
+          </a:xfrm>
+          <a:prstGeom prst="rect">
+            <a:avLst/>
+          </a:prstGeom>
+          <a:noFill/>
+          <a:ln w="9525">
+            <a:noFill/>
+            <a:round/>
+            <a:headEnd/>
+            <a:tailEnd/>
+          </a:ln>
+          <a:effectLst/>
+        </p:spPr>
+      </p:pic>
+      <p:pic>
+        <p:nvPicPr>
+          <p:cNvPr id="5" name="Picture 3"/>
+          <p:cNvPicPr>
+            <a:picLocks noChangeAspect="1" noChangeArrowheads="1"/>
+          </p:cNvPicPr>
+          <p:nvPr/>
+        </p:nvPicPr>
+        <p:blipFill>
+          <a:blip r:embed="rId3"/>
+          <a:srcRect/>
+          <a:stretch>
+            <a:fillRect/>
+          </a:stretch>
+        </p:blipFill>
+        <p:spPr bwMode="auto">
+          <a:xfrm>
+            <a:off x="565484" y="4027861"/>
+            <a:ext cx="2845344" cy="551346"/>
+          </a:xfrm>
+          <a:prstGeom prst="rect">
+            <a:avLst/>
+          </a:prstGeom>
+          <a:noFill/>
+          <a:ln w="9525">
+            <a:noFill/>
+            <a:round/>
+            <a:headEnd/>
+            <a:tailEnd/>
+          </a:ln>
+          <a:effectLst/>
+        </p:spPr>
+      </p:pic>
+      <p:pic>
+        <p:nvPicPr>
+          <p:cNvPr id="6" name="Picture 4"/>
+          <p:cNvPicPr>
+            <a:picLocks noChangeAspect="1" noChangeArrowheads="1"/>
+          </p:cNvPicPr>
+          <p:nvPr/>
+        </p:nvPicPr>
+        <p:blipFill>
+          <a:blip r:embed="rId4"/>
+          <a:srcRect/>
+          <a:stretch>
+            <a:fillRect/>
+          </a:stretch>
+        </p:blipFill>
+        <p:spPr bwMode="auto">
+          <a:xfrm>
+            <a:off x="2003284" y="4698692"/>
+            <a:ext cx="2031360" cy="941463"/>
+          </a:xfrm>
+          <a:prstGeom prst="rect">
+            <a:avLst/>
+          </a:prstGeom>
+          <a:noFill/>
+          <a:ln w="9525">
+            <a:noFill/>
+            <a:round/>
+            <a:headEnd/>
+            <a:tailEnd/>
+          </a:ln>
+          <a:effectLst/>
+        </p:spPr>
+      </p:pic>
+      <p:pic>
+        <p:nvPicPr>
+          <p:cNvPr id="7" name="Picture 5"/>
+          <p:cNvPicPr>
+            <a:picLocks noChangeAspect="1" noChangeArrowheads="1"/>
+          </p:cNvPicPr>
+          <p:nvPr/>
+        </p:nvPicPr>
+        <p:blipFill>
+          <a:blip r:embed="rId5"/>
+          <a:srcRect/>
+          <a:stretch>
+            <a:fillRect/>
+          </a:stretch>
+        </p:blipFill>
+        <p:spPr bwMode="auto">
+          <a:xfrm>
+            <a:off x="5901766" y="3832083"/>
+            <a:ext cx="2635004" cy="924189"/>
+          </a:xfrm>
+          <a:prstGeom prst="rect">
+            <a:avLst/>
+          </a:prstGeom>
+          <a:noFill/>
+          <a:ln w="9525">
+            <a:noFill/>
+            <a:round/>
+            <a:headEnd/>
+            <a:tailEnd/>
+          </a:ln>
+          <a:effectLst/>
+        </p:spPr>
+      </p:pic>
+      <p:pic>
+        <p:nvPicPr>
+          <p:cNvPr id="8" name="Picture 6"/>
+          <p:cNvPicPr>
+            <a:picLocks noChangeAspect="1" noChangeArrowheads="1"/>
+          </p:cNvPicPr>
+          <p:nvPr/>
+        </p:nvPicPr>
+        <p:blipFill>
+          <a:blip r:embed="rId6"/>
+          <a:srcRect/>
+          <a:stretch>
+            <a:fillRect/>
+          </a:stretch>
+        </p:blipFill>
+        <p:spPr bwMode="auto">
+          <a:xfrm>
+            <a:off x="7035581" y="4918941"/>
+            <a:ext cx="1367206" cy="1019199"/>
+          </a:xfrm>
+          <a:prstGeom prst="rect">
+            <a:avLst/>
+          </a:prstGeom>
+          <a:noFill/>
+          <a:ln w="9525">
+            <a:noFill/>
+            <a:round/>
+            <a:headEnd/>
+            <a:tailEnd/>
+          </a:ln>
+          <a:effectLst/>
+        </p:spPr>
+      </p:pic>
+    </p:spTree>
+    <p:extLst>
+      <p:ext uri="{BB962C8B-B14F-4D97-AF65-F5344CB8AC3E}">
+        <p14:creationId xmlns:p14="http://schemas.microsoft.com/office/powerpoint/2010/main" val="2081243168"/>
+      </p:ext>
+    </p:extLst>
+  </p:cSld>
+  <p:clrMapOvr>
+    <a:masterClrMapping/>
+  </p:clrMapOvr>
+  <p:timing>
+    <p:tnLst>
+      <p:par>
+        <p:cTn xmlns:p14="http://schemas.microsoft.com/office/powerpoint/2010/main" id="1" dur="indefinite" restart="never" nodeType="tmRoot"/>
+      </p:par>
+    </p:tnLst>
+  </p:timing>
+</p:sld>
+</file>
+
+<file path=ppt/slides/slide7.xml><?xml version="1.0" encoding="utf-8"?>
+<p:sld xmlns:a="http://schemas.openxmlformats.org/drawingml/2006/main" xmlns:r="http://schemas.openxmlformats.org/officeDocument/2006/relationships" xmlns:p="http://schemas.openxmlformats.org/presentationml/2006/main">
+  <p:cSld>
+    <p:spTree>
+      <p:nvGrpSpPr>
+        <p:cNvPr id="1" name=""/>
+        <p:cNvGrpSpPr/>
+        <p:nvPr/>
+      </p:nvGrpSpPr>
+      <p:grpSpPr>
+        <a:xfrm>
+          <a:off x="0" y="0"/>
+          <a:ext cx="0" cy="0"/>
+          <a:chOff x="0" y="0"/>
+          <a:chExt cx="0" cy="0"/>
+        </a:xfrm>
+      </p:grpSpPr>
+      <p:sp>
+        <p:nvSpPr>
+          <p:cNvPr id="21505" name="Title 1"/>
+          <p:cNvSpPr>
+            <a:spLocks noGrp="1"/>
+          </p:cNvSpPr>
+          <p:nvPr>
+            <p:ph type="title"/>
+          </p:nvPr>
+        </p:nvSpPr>
+        <p:spPr>
+          <a:xfrm>
+            <a:off x="392089" y="130594"/>
+            <a:ext cx="8819644" cy="751826"/>
+          </a:xfrm>
+        </p:spPr>
+        <p:txBody>
+          <a:bodyPr>
+            <a:normAutofit fontScale="90000"/>
+          </a:bodyPr>
+          <a:lstStyle/>
+          <a:p>
+            <a:pPr eaLnBrk="1" hangingPunct="1"/>
+            <a:r>
+              <a:rPr lang="en-US" dirty="0"/>
+              <a:t>The New Web </a:t>
+            </a:r>
+          </a:p>
+        </p:txBody>
+      </p:sp>
+      <p:pic>
+        <p:nvPicPr>
+          <p:cNvPr id="21506" name="Content Placeholder 3" descr="api-timeline-2010.jpg"/>
+          <p:cNvPicPr>
+            <a:picLocks noGrp="1" noChangeAspect="1"/>
+          </p:cNvPicPr>
+          <p:nvPr>
+            <p:ph idx="1"/>
+          </p:nvPr>
+        </p:nvPicPr>
+        <p:blipFill>
+          <a:blip r:embed="rId3">
+            <a:extLst>
+              <a:ext uri="{28A0092B-C50C-407E-A947-70E740481C1C}">
+                <a14:useLocalDpi xmlns:a14="http://schemas.microsoft.com/office/drawing/2010/main" val="0"/>
+              </a:ext>
+            </a:extLst>
+          </a:blip>
+          <a:srcRect t="10716" b="10716"/>
+          <a:stretch>
+            <a:fillRect/>
+          </a:stretch>
+        </p:blipFill>
+        <p:spPr>
+          <a:xfrm>
+            <a:off x="0" y="1482725"/>
+            <a:ext cx="9169400" cy="5335588"/>
+          </a:xfrm>
+        </p:spPr>
+      </p:pic>
+      <p:sp>
+        <p:nvSpPr>
+          <p:cNvPr id="21507" name="TextBox 4"/>
+          <p:cNvSpPr txBox="1">
+            <a:spLocks noChangeArrowheads="1"/>
+          </p:cNvSpPr>
+          <p:nvPr/>
+        </p:nvSpPr>
+        <p:spPr bwMode="auto">
+          <a:xfrm>
+            <a:off x="63500" y="6516688"/>
+            <a:ext cx="7468695" cy="276993"/>
+          </a:xfrm>
+          <a:prstGeom prst="rect">
+            <a:avLst/>
+          </a:prstGeom>
+          <a:noFill/>
+          <a:ln>
+            <a:noFill/>
+          </a:ln>
+          <a:extLst>
+            <a:ext uri="{909E8E84-426E-40dd-AFC4-6F175D3DCCD1}">
+              <a14:hiddenFill xmlns:a14="http://schemas.microsoft.com/office/drawing/2010/main">
+                <a:solidFill>
+                  <a:srgbClr val="FFFFFF"/>
+                </a:solidFill>
+              </a14:hiddenFill>
+            </a:ext>
+            <a:ext uri="{91240B29-F687-4f45-9708-019B960494DF}">
+              <a14:hiddenLine xmlns:a14="http://schemas.microsoft.com/office/drawing/2010/main" w="9525">
+                <a:solidFill>
+                  <a:srgbClr val="000000"/>
+                </a:solidFill>
+                <a:miter lim="800000"/>
+                <a:headEnd/>
+                <a:tailEnd/>
+              </a14:hiddenLine>
+            </a:ext>
+          </a:extLst>
+        </p:spPr>
+        <p:txBody>
+          <a:bodyPr wrap="none" lIns="91432" tIns="45717" rIns="91432" bIns="45717">
+            <a:spAutoFit/>
+          </a:bodyPr>
+          <a:lstStyle>
+            <a:lvl1pPr eaLnBrk="0" hangingPunct="0">
+              <a:defRPr sz="2400">
+                <a:solidFill>
+                  <a:schemeClr val="tx1"/>
+                </a:solidFill>
+                <a:latin typeface="Calibri" charset="0"/>
+                <a:ea typeface="ＭＳ Ｐゴシック" charset="0"/>
+                <a:cs typeface="ＭＳ Ｐゴシック" charset="0"/>
+              </a:defRPr>
+            </a:lvl1pPr>
+            <a:lvl2pPr marL="742950" indent="-285750" eaLnBrk="0" hangingPunct="0">
+              <a:defRPr sz="2400">
+                <a:solidFill>
+                  <a:schemeClr val="tx1"/>
+                </a:solidFill>
+                <a:latin typeface="Calibri" charset="0"/>
+                <a:ea typeface="ＭＳ Ｐゴシック" charset="0"/>
+              </a:defRPr>
+            </a:lvl2pPr>
+            <a:lvl3pPr marL="1143000" indent="-228600" eaLnBrk="0" hangingPunct="0">
+              <a:defRPr sz="2400">
+                <a:solidFill>
+                  <a:schemeClr val="tx1"/>
+                </a:solidFill>
+                <a:latin typeface="Calibri" charset="0"/>
+                <a:ea typeface="ＭＳ Ｐゴシック" charset="0"/>
+              </a:defRPr>
+            </a:lvl3pPr>
+            <a:lvl4pPr marL="1600200" indent="-228600" eaLnBrk="0" hangingPunct="0">
+              <a:defRPr sz="2400">
+                <a:solidFill>
+                  <a:schemeClr val="tx1"/>
+                </a:solidFill>
+                <a:latin typeface="Calibri" charset="0"/>
+                <a:ea typeface="ＭＳ Ｐゴシック" charset="0"/>
+              </a:defRPr>
+            </a:lvl4pPr>
+            <a:lvl5pPr marL="2057400" indent="-228600" eaLnBrk="0" hangingPunct="0">
+              <a:defRPr sz="2400">
+                <a:solidFill>
+                  <a:schemeClr val="tx1"/>
+                </a:solidFill>
+                <a:latin typeface="Calibri" charset="0"/>
+                <a:ea typeface="ＭＳ Ｐゴシック" charset="0"/>
+              </a:defRPr>
+            </a:lvl5pPr>
+            <a:lvl6pPr marL="2514600" indent="-228600" eaLnBrk="0" fontAlgn="base" hangingPunct="0">
+              <a:spcBef>
+                <a:spcPct val="0"/>
+              </a:spcBef>
+              <a:spcAft>
+                <a:spcPct val="0"/>
+              </a:spcAft>
+              <a:defRPr sz="2400">
+                <a:solidFill>
+                  <a:schemeClr val="tx1"/>
+                </a:solidFill>
+                <a:latin typeface="Calibri" charset="0"/>
+                <a:ea typeface="ＭＳ Ｐゴシック" charset="0"/>
+              </a:defRPr>
+            </a:lvl6pPr>
+            <a:lvl7pPr marL="2971800" indent="-228600" eaLnBrk="0" fontAlgn="base" hangingPunct="0">
+              <a:spcBef>
+                <a:spcPct val="0"/>
+              </a:spcBef>
+              <a:spcAft>
+                <a:spcPct val="0"/>
+              </a:spcAft>
+              <a:defRPr sz="2400">
+                <a:solidFill>
+                  <a:schemeClr val="tx1"/>
+                </a:solidFill>
+                <a:latin typeface="Calibri" charset="0"/>
+                <a:ea typeface="ＭＳ Ｐゴシック" charset="0"/>
+              </a:defRPr>
+            </a:lvl7pPr>
+            <a:lvl8pPr marL="3429000" indent="-228600" eaLnBrk="0" fontAlgn="base" hangingPunct="0">
+              <a:spcBef>
+                <a:spcPct val="0"/>
+              </a:spcBef>
+              <a:spcAft>
+                <a:spcPct val="0"/>
+              </a:spcAft>
+              <a:defRPr sz="2400">
+                <a:solidFill>
+                  <a:schemeClr val="tx1"/>
+                </a:solidFill>
+                <a:latin typeface="Calibri" charset="0"/>
+                <a:ea typeface="ＭＳ Ｐゴシック" charset="0"/>
+              </a:defRPr>
+            </a:lvl8pPr>
+            <a:lvl9pPr marL="3886200" indent="-228600" eaLnBrk="0" fontAlgn="base" hangingPunct="0">
+              <a:spcBef>
+                <a:spcPct val="0"/>
+              </a:spcBef>
+              <a:spcAft>
+                <a:spcPct val="0"/>
+              </a:spcAft>
+              <a:defRPr sz="2400">
+                <a:solidFill>
+                  <a:schemeClr val="tx1"/>
+                </a:solidFill>
+                <a:latin typeface="Calibri" charset="0"/>
+                <a:ea typeface="ＭＳ Ｐゴシック" charset="0"/>
+              </a:defRPr>
+            </a:lvl9pPr>
+          </a:lstStyle>
+          <a:p>
+            <a:pPr eaLnBrk="1" hangingPunct="1"/>
+            <a:r>
+              <a:rPr lang="en-US" sz="1200"/>
+              <a:t>Source:  http://blog.programmableweb.com/2011/01/03/api-growth-doubles-in-2010-social-and-mobile-are-trends/ </a:t>
+            </a:r>
+          </a:p>
+        </p:txBody>
+      </p:sp>
+      <p:sp>
+        <p:nvSpPr>
+          <p:cNvPr id="21508" name="Content Placeholder 2"/>
+          <p:cNvSpPr txBox="1">
+            <a:spLocks/>
+          </p:cNvSpPr>
+          <p:nvPr/>
+        </p:nvSpPr>
+        <p:spPr bwMode="auto">
+          <a:xfrm>
+            <a:off x="109539" y="1600200"/>
+            <a:ext cx="8916987" cy="4926013"/>
+          </a:xfrm>
+          <a:prstGeom prst="rect">
+            <a:avLst/>
+          </a:prstGeom>
+          <a:noFill/>
+          <a:ln>
+            <a:noFill/>
+          </a:ln>
+          <a:extLst>
+            <a:ext uri="{909E8E84-426E-40dd-AFC4-6F175D3DCCD1}">
+              <a14:hiddenFill xmlns:a14="http://schemas.microsoft.com/office/drawing/2010/main">
+                <a:solidFill>
+                  <a:srgbClr val="FFFFFF"/>
+                </a:solidFill>
+              </a14:hiddenFill>
+            </a:ext>
+            <a:ext uri="{91240B29-F687-4f45-9708-019B960494DF}">
+              <a14:hiddenLine xmlns:a14="http://schemas.microsoft.com/office/drawing/2010/main" w="9525">
+                <a:solidFill>
+                  <a:srgbClr val="000000"/>
+                </a:solidFill>
+                <a:miter lim="800000"/>
+                <a:headEnd/>
+                <a:tailEnd/>
+              </a14:hiddenLine>
+            </a:ext>
+          </a:extLst>
+        </p:spPr>
+        <p:txBody>
+          <a:bodyPr lIns="91432" tIns="45717" rIns="91432" bIns="45717"/>
+          <a:lstStyle>
+            <a:lvl1pPr eaLnBrk="0" hangingPunct="0">
+              <a:defRPr sz="2400">
+                <a:solidFill>
+                  <a:schemeClr val="tx1"/>
+                </a:solidFill>
+                <a:latin typeface="Calibri" charset="0"/>
+                <a:ea typeface="ＭＳ Ｐゴシック" charset="0"/>
+                <a:cs typeface="ＭＳ Ｐゴシック" charset="0"/>
+              </a:defRPr>
+            </a:lvl1pPr>
+            <a:lvl2pPr marL="742950" indent="-285750" eaLnBrk="0" hangingPunct="0">
+              <a:defRPr sz="2400">
+                <a:solidFill>
+                  <a:schemeClr val="tx1"/>
+                </a:solidFill>
+                <a:latin typeface="Calibri" charset="0"/>
+                <a:ea typeface="ＭＳ Ｐゴシック" charset="0"/>
+              </a:defRPr>
+            </a:lvl2pPr>
+            <a:lvl3pPr marL="1143000" indent="-228600" eaLnBrk="0" hangingPunct="0">
+              <a:defRPr sz="2400">
+                <a:solidFill>
+                  <a:schemeClr val="tx1"/>
+                </a:solidFill>
+                <a:latin typeface="Calibri" charset="0"/>
+                <a:ea typeface="ＭＳ Ｐゴシック" charset="0"/>
+              </a:defRPr>
+            </a:lvl3pPr>
+            <a:lvl4pPr marL="1600200" indent="-228600" eaLnBrk="0" hangingPunct="0">
+              <a:defRPr sz="2400">
+                <a:solidFill>
+                  <a:schemeClr val="tx1"/>
+                </a:solidFill>
+                <a:latin typeface="Calibri" charset="0"/>
+                <a:ea typeface="ＭＳ Ｐゴシック" charset="0"/>
+              </a:defRPr>
+            </a:lvl4pPr>
+            <a:lvl5pPr marL="2057400" indent="-228600" eaLnBrk="0" hangingPunct="0">
+              <a:defRPr sz="2400">
+                <a:solidFill>
+                  <a:schemeClr val="tx1"/>
+                </a:solidFill>
+                <a:latin typeface="Calibri" charset="0"/>
+                <a:ea typeface="ＭＳ Ｐゴシック" charset="0"/>
+              </a:defRPr>
+            </a:lvl5pPr>
+            <a:lvl6pPr marL="2514600" indent="-228600" eaLnBrk="0" fontAlgn="base" hangingPunct="0">
+              <a:spcBef>
+                <a:spcPct val="0"/>
+              </a:spcBef>
+              <a:spcAft>
+                <a:spcPct val="0"/>
+              </a:spcAft>
+              <a:defRPr sz="2400">
+                <a:solidFill>
+                  <a:schemeClr val="tx1"/>
+                </a:solidFill>
+                <a:latin typeface="Calibri" charset="0"/>
+                <a:ea typeface="ＭＳ Ｐゴシック" charset="0"/>
+              </a:defRPr>
+            </a:lvl6pPr>
+            <a:lvl7pPr marL="2971800" indent="-228600" eaLnBrk="0" fontAlgn="base" hangingPunct="0">
+              <a:spcBef>
+                <a:spcPct val="0"/>
+              </a:spcBef>
+              <a:spcAft>
+                <a:spcPct val="0"/>
+              </a:spcAft>
+              <a:defRPr sz="2400">
+                <a:solidFill>
+                  <a:schemeClr val="tx1"/>
+                </a:solidFill>
+                <a:latin typeface="Calibri" charset="0"/>
+                <a:ea typeface="ＭＳ Ｐゴシック" charset="0"/>
+              </a:defRPr>
+            </a:lvl7pPr>
+            <a:lvl8pPr marL="3429000" indent="-228600" eaLnBrk="0" fontAlgn="base" hangingPunct="0">
+              <a:spcBef>
+                <a:spcPct val="0"/>
+              </a:spcBef>
+              <a:spcAft>
+                <a:spcPct val="0"/>
+              </a:spcAft>
+              <a:defRPr sz="2400">
+                <a:solidFill>
+                  <a:schemeClr val="tx1"/>
+                </a:solidFill>
+                <a:latin typeface="Calibri" charset="0"/>
+                <a:ea typeface="ＭＳ Ｐゴシック" charset="0"/>
+              </a:defRPr>
+            </a:lvl8pPr>
+            <a:lvl9pPr marL="3886200" indent="-228600" eaLnBrk="0" fontAlgn="base" hangingPunct="0">
+              <a:spcBef>
+                <a:spcPct val="0"/>
+              </a:spcBef>
+              <a:spcAft>
+                <a:spcPct val="0"/>
+              </a:spcAft>
+              <a:defRPr sz="2400">
+                <a:solidFill>
+                  <a:schemeClr val="tx1"/>
+                </a:solidFill>
+                <a:latin typeface="Calibri" charset="0"/>
+                <a:ea typeface="ＭＳ Ｐゴシック" charset="0"/>
+              </a:defRPr>
+            </a:lvl9pPr>
+          </a:lstStyle>
+          <a:p>
+            <a:pPr eaLnBrk="1" hangingPunct="1">
+              <a:spcBef>
+                <a:spcPct val="20000"/>
+              </a:spcBef>
+              <a:buFont typeface="Arial" charset="0"/>
+              <a:buNone/>
+            </a:pPr>
+            <a:r>
+              <a:rPr lang="en-US" sz="3200"/>
+              <a:t>Create an Architecture of Participation across multiple brand name properties</a:t>
+            </a:r>
+          </a:p>
+        </p:txBody>
+      </p:sp>
+    </p:spTree>
+    <p:extLst>
+      <p:ext uri="{BB962C8B-B14F-4D97-AF65-F5344CB8AC3E}">
+        <p14:creationId xmlns:p14="http://schemas.microsoft.com/office/powerpoint/2010/main" val="1220372295"/>
+      </p:ext>
+    </p:extLst>
+  </p:cSld>
+  <p:clrMapOvr>
+    <a:masterClrMapping/>
+  </p:clrMapOvr>
+  <p:timing>
+    <p:tnLst>
+      <p:par>
+        <p:cTn xmlns:p14="http://schemas.microsoft.com/office/powerpoint/2010/main" id="1" dur="indefinite" restart="never" nodeType="tmRoot"/>
+      </p:par>
+    </p:tnLst>
+  </p:timing>
+</p:sld>
+</file>
+
+<file path=ppt/slides/slide8.xml><?xml version="1.0" encoding="utf-8"?>
+<p:sld xmlns:a="http://schemas.openxmlformats.org/drawingml/2006/main" xmlns:r="http://schemas.openxmlformats.org/officeDocument/2006/relationships" xmlns:p="http://schemas.openxmlformats.org/presentationml/2006/main">
+  <p:cSld>
+    <p:spTree>
+      <p:nvGrpSpPr>
+        <p:cNvPr id="1" name=""/>
+        <p:cNvGrpSpPr/>
+        <p:nvPr/>
+      </p:nvGrpSpPr>
+      <p:grpSpPr>
+        <a:xfrm>
+          <a:off x="0" y="0"/>
+          <a:ext cx="0" cy="0"/>
+          <a:chOff x="0" y="0"/>
+          <a:chExt cx="0" cy="0"/>
+        </a:xfrm>
+      </p:grpSpPr>
+      <p:sp>
+        <p:nvSpPr>
+          <p:cNvPr id="2" name="Title 1"/>
+          <p:cNvSpPr>
+            <a:spLocks noGrp="1"/>
+          </p:cNvSpPr>
+          <p:nvPr>
+            <p:ph type="title"/>
+          </p:nvPr>
+        </p:nvSpPr>
+        <p:spPr/>
+        <p:txBody>
+          <a:bodyPr/>
+          <a:lstStyle/>
+          <a:p>
+            <a:r>
+              <a:rPr lang="en-US" dirty="0" smtClean="0"/>
+              <a:t>API Opportunities</a:t>
+            </a:r>
+            <a:endParaRPr lang="en-US" dirty="0"/>
+          </a:p>
+        </p:txBody>
+      </p:sp>
+      <p:pic>
+        <p:nvPicPr>
+          <p:cNvPr id="4" name="Picture 2"/>
+          <p:cNvPicPr>
+            <a:picLocks noGrp="1" noChangeAspect="1" noChangeArrowheads="1"/>
+          </p:cNvPicPr>
+          <p:nvPr>
+            <p:ph idx="1"/>
+          </p:nvPr>
+        </p:nvPicPr>
+        <p:blipFill>
+          <a:blip r:embed="rId2"/>
+          <a:srcRect/>
+          <a:stretch>
+            <a:fillRect/>
+          </a:stretch>
+        </p:blipFill>
+        <p:spPr bwMode="auto">
+          <a:xfrm>
+            <a:off x="2369526" y="1417638"/>
+            <a:ext cx="4813140" cy="3237514"/>
+          </a:xfrm>
+          <a:prstGeom prst="rect">
+            <a:avLst/>
+          </a:prstGeom>
+          <a:noFill/>
+          <a:ln w="9525">
+            <a:noFill/>
+            <a:round/>
+            <a:headEnd/>
+            <a:tailEnd/>
+          </a:ln>
+          <a:effectLst/>
+        </p:spPr>
+      </p:pic>
+      <p:sp>
+        <p:nvSpPr>
+          <p:cNvPr id="6" name="Content Placeholder 2"/>
+          <p:cNvSpPr txBox="1">
+            <a:spLocks/>
+          </p:cNvSpPr>
+          <p:nvPr/>
+        </p:nvSpPr>
+        <p:spPr bwMode="auto">
+          <a:xfrm>
+            <a:off x="193660" y="4996126"/>
+            <a:ext cx="8508743" cy="1110048"/>
+          </a:xfrm>
+          <a:prstGeom prst="rect">
+            <a:avLst/>
+          </a:prstGeom>
+          <a:noFill/>
+          <a:ln w="9525">
+            <a:noFill/>
+            <a:round/>
+            <a:headEnd/>
+            <a:tailEnd/>
+          </a:ln>
+        </p:spPr>
+        <p:txBody>
+          <a:bodyPr vert="horz" wrap="square" lIns="0" tIns="19269" rIns="0" bIns="0" numCol="1" anchor="t" anchorCtr="0" compatLnSpc="1">
+            <a:prstTxWarp prst="textNoShape">
+              <a:avLst/>
+            </a:prstTxWarp>
+          </a:bodyPr>
+          <a:lstStyle>
+            <a:lvl1pPr marL="342900" indent="-342900" algn="l" defTabSz="457200" rtl="0" eaLnBrk="0" fontAlgn="base" hangingPunct="0">
+              <a:spcBef>
+                <a:spcPct val="0"/>
+              </a:spcBef>
+              <a:spcAft>
+                <a:spcPct val="0"/>
+              </a:spcAft>
+              <a:buClr>
+                <a:srgbClr val="000000"/>
+              </a:buClr>
+              <a:buSzPct val="100000"/>
+              <a:buFont typeface="Times New Roman" pitchFamily="18" charset="0"/>
+              <a:defRPr sz="2400">
+                <a:solidFill>
+                  <a:srgbClr val="000000"/>
+                </a:solidFill>
+                <a:latin typeface="+mn-lt"/>
+                <a:ea typeface="ＭＳ Ｐゴシック" charset="0"/>
+                <a:cs typeface="+mn-cs"/>
+              </a:defRPr>
+            </a:lvl1pPr>
+            <a:lvl2pPr marL="742950" indent="-285750" algn="l" defTabSz="457200" rtl="0" eaLnBrk="0" fontAlgn="base" hangingPunct="0">
+              <a:spcBef>
+                <a:spcPct val="0"/>
+              </a:spcBef>
+              <a:spcAft>
+                <a:spcPct val="0"/>
+              </a:spcAft>
+              <a:buClr>
+                <a:srgbClr val="000000"/>
+              </a:buClr>
+              <a:buSzPct val="100000"/>
+              <a:buFont typeface="Times New Roman" pitchFamily="18" charset="0"/>
+              <a:defRPr sz="2000">
+                <a:solidFill>
+                  <a:srgbClr val="000000"/>
+                </a:solidFill>
+                <a:latin typeface="+mn-lt"/>
+                <a:ea typeface="+mn-ea"/>
+                <a:cs typeface="+mn-cs"/>
+              </a:defRPr>
+            </a:lvl2pPr>
+            <a:lvl3pPr marL="1143000" indent="-228600" algn="l" defTabSz="457200" rtl="0" eaLnBrk="0" fontAlgn="base" hangingPunct="0">
+              <a:spcBef>
+                <a:spcPct val="0"/>
+              </a:spcBef>
+              <a:spcAft>
+                <a:spcPct val="0"/>
+              </a:spcAft>
+              <a:buClr>
+                <a:srgbClr val="000000"/>
+              </a:buClr>
+              <a:buSzPct val="100000"/>
+              <a:buFont typeface="Times New Roman" pitchFamily="18" charset="0"/>
+              <a:defRPr>
+                <a:solidFill>
+                  <a:srgbClr val="000000"/>
+                </a:solidFill>
+                <a:latin typeface="+mn-lt"/>
+                <a:ea typeface="+mn-ea"/>
+                <a:cs typeface="+mn-cs"/>
+              </a:defRPr>
+            </a:lvl3pPr>
+            <a:lvl4pPr marL="1600200" indent="-228600" algn="l" defTabSz="457200" rtl="0" eaLnBrk="0" fontAlgn="base" hangingPunct="0">
+              <a:spcBef>
+                <a:spcPct val="0"/>
+              </a:spcBef>
+              <a:spcAft>
+                <a:spcPts val="575"/>
+              </a:spcAft>
+              <a:buClr>
+                <a:srgbClr val="000000"/>
+              </a:buClr>
+              <a:buSzPct val="100000"/>
+              <a:buFont typeface="Times New Roman" pitchFamily="18" charset="0"/>
+              <a:defRPr>
+                <a:solidFill>
+                  <a:srgbClr val="000000"/>
+                </a:solidFill>
+                <a:latin typeface="+mn-lt"/>
+                <a:ea typeface="+mn-ea"/>
+                <a:cs typeface="+mn-cs"/>
+              </a:defRPr>
+            </a:lvl4pPr>
+            <a:lvl5pPr marL="2057400" indent="-228600" algn="l" defTabSz="457200" rtl="0" eaLnBrk="0" fontAlgn="base" hangingPunct="0">
+              <a:spcBef>
+                <a:spcPct val="0"/>
+              </a:spcBef>
+              <a:spcAft>
+                <a:spcPts val="288"/>
+              </a:spcAft>
+              <a:buClr>
+                <a:srgbClr val="000000"/>
+              </a:buClr>
+              <a:buSzPct val="100000"/>
+              <a:buFont typeface="Times New Roman" pitchFamily="18" charset="0"/>
+              <a:defRPr>
+                <a:solidFill>
+                  <a:srgbClr val="000000"/>
+                </a:solidFill>
+                <a:latin typeface="+mn-lt"/>
+                <a:ea typeface="+mn-ea"/>
+                <a:cs typeface="+mn-cs"/>
+              </a:defRPr>
+            </a:lvl5pPr>
+            <a:lvl6pPr marL="2514600" indent="-228600" algn="l" defTabSz="457200" rtl="0" eaLnBrk="0" fontAlgn="base" hangingPunct="0">
+              <a:spcBef>
+                <a:spcPct val="0"/>
+              </a:spcBef>
+              <a:spcAft>
+                <a:spcPts val="288"/>
+              </a:spcAft>
+              <a:buClr>
+                <a:srgbClr val="000000"/>
+              </a:buClr>
+              <a:buSzPct val="100000"/>
+              <a:buFont typeface="Times New Roman" charset="0"/>
+              <a:defRPr>
+                <a:solidFill>
+                  <a:srgbClr val="000000"/>
+                </a:solidFill>
+                <a:latin typeface="+mn-lt"/>
+                <a:ea typeface="+mn-ea"/>
+                <a:cs typeface="+mn-cs"/>
+              </a:defRPr>
+            </a:lvl6pPr>
+            <a:lvl7pPr marL="2971800" indent="-228600" algn="l" defTabSz="457200" rtl="0" eaLnBrk="0" fontAlgn="base" hangingPunct="0">
+              <a:spcBef>
+                <a:spcPct val="0"/>
+              </a:spcBef>
+              <a:spcAft>
+                <a:spcPts val="288"/>
+              </a:spcAft>
+              <a:buClr>
+                <a:srgbClr val="000000"/>
+              </a:buClr>
+              <a:buSzPct val="100000"/>
+              <a:buFont typeface="Times New Roman" charset="0"/>
+              <a:defRPr>
+                <a:solidFill>
+                  <a:srgbClr val="000000"/>
+                </a:solidFill>
+                <a:latin typeface="+mn-lt"/>
+                <a:ea typeface="+mn-ea"/>
+                <a:cs typeface="+mn-cs"/>
+              </a:defRPr>
+            </a:lvl7pPr>
+            <a:lvl8pPr marL="3429000" indent="-228600" algn="l" defTabSz="457200" rtl="0" eaLnBrk="0" fontAlgn="base" hangingPunct="0">
+              <a:spcBef>
+                <a:spcPct val="0"/>
+              </a:spcBef>
+              <a:spcAft>
+                <a:spcPts val="288"/>
+              </a:spcAft>
+              <a:buClr>
+                <a:srgbClr val="000000"/>
+              </a:buClr>
+              <a:buSzPct val="100000"/>
+              <a:buFont typeface="Times New Roman" charset="0"/>
+              <a:defRPr>
+                <a:solidFill>
+                  <a:srgbClr val="000000"/>
+                </a:solidFill>
+                <a:latin typeface="+mn-lt"/>
+                <a:ea typeface="+mn-ea"/>
+                <a:cs typeface="+mn-cs"/>
+              </a:defRPr>
+            </a:lvl8pPr>
+            <a:lvl9pPr marL="3886200" indent="-228600" algn="l" defTabSz="457200" rtl="0" eaLnBrk="0" fontAlgn="base" hangingPunct="0">
+              <a:spcBef>
+                <a:spcPct val="0"/>
+              </a:spcBef>
+              <a:spcAft>
+                <a:spcPts val="288"/>
+              </a:spcAft>
+              <a:buClr>
+                <a:srgbClr val="000000"/>
+              </a:buClr>
+              <a:buSzPct val="100000"/>
+              <a:buFont typeface="Times New Roman" charset="0"/>
+              <a:defRPr>
+                <a:solidFill>
+                  <a:srgbClr val="000000"/>
+                </a:solidFill>
+                <a:latin typeface="+mn-lt"/>
+                <a:ea typeface="+mn-ea"/>
+                <a:cs typeface="+mn-cs"/>
+              </a:defRPr>
+            </a:lvl9pPr>
+          </a:lstStyle>
+          <a:p>
+            <a:pPr algn="ctr"/>
+            <a:r>
+              <a:rPr lang="en-US" sz="2000" dirty="0" smtClean="0">
+                <a:latin typeface="+mj-lt"/>
+                <a:cs typeface="ＭＳ Ｐゴシック" charset="0"/>
+              </a:rPr>
+              <a:t>“</a:t>
+            </a:r>
+            <a:r>
+              <a:rPr lang="en-US" sz="2000" dirty="0" smtClean="0">
+                <a:cs typeface="ＭＳ Ｐゴシック" charset="0"/>
+              </a:rPr>
+              <a:t>APIs create a new relationship opportunity –</a:t>
+            </a:r>
+          </a:p>
+          <a:p>
+            <a:pPr algn="ctr"/>
+            <a:r>
+              <a:rPr lang="en-US" sz="2000" dirty="0" smtClean="0">
+                <a:cs typeface="ＭＳ Ｐゴシック" charset="0"/>
+              </a:rPr>
+              <a:t>B2D; Business to Developer, that </a:t>
+            </a:r>
+            <a:r>
+              <a:rPr lang="en-US" sz="2000" dirty="0" smtClean="0">
+                <a:cs typeface="ＭＳ Ｐゴシック" charset="0"/>
+              </a:rPr>
+              <a:t>creates</a:t>
+            </a:r>
+            <a:endParaRPr lang="en-US" sz="2000" dirty="0" smtClean="0">
+              <a:cs typeface="ＭＳ Ｐゴシック" charset="0"/>
+            </a:endParaRPr>
+          </a:p>
+          <a:p>
+            <a:pPr algn="ctr"/>
+            <a:r>
+              <a:rPr lang="en-US" sz="2000" dirty="0" smtClean="0">
+                <a:cs typeface="ＭＳ Ｐゴシック" charset="0"/>
+              </a:rPr>
+              <a:t>direct B2C, B2B </a:t>
+            </a:r>
+            <a:r>
+              <a:rPr lang="en-US" sz="2000" dirty="0" smtClean="0">
+                <a:cs typeface="ＭＳ Ｐゴシック" charset="0"/>
+              </a:rPr>
+              <a:t>and </a:t>
+            </a:r>
+            <a:r>
+              <a:rPr lang="en-US" sz="2000" dirty="0" smtClean="0">
+                <a:cs typeface="ＭＳ Ｐゴシック" charset="0"/>
+              </a:rPr>
+              <a:t>indirect B2C relations</a:t>
+            </a:r>
+            <a:r>
+              <a:rPr lang="en-US" sz="2000" dirty="0" smtClean="0">
+                <a:latin typeface="+mj-lt"/>
+                <a:cs typeface="ＭＳ Ｐゴシック" charset="0"/>
+              </a:rPr>
+              <a:t>”</a:t>
+            </a:r>
+            <a:endParaRPr lang="en-US" sz="2000" dirty="0">
+              <a:latin typeface="+mj-lt"/>
+            </a:endParaRPr>
+          </a:p>
+        </p:txBody>
+      </p:sp>
+    </p:spTree>
+    <p:extLst>
+      <p:ext uri="{BB962C8B-B14F-4D97-AF65-F5344CB8AC3E}">
+        <p14:creationId xmlns:p14="http://schemas.microsoft.com/office/powerpoint/2010/main" val="1446193255"/>
+      </p:ext>
+    </p:extLst>
+  </p:cSld>
+  <p:clrMapOvr>
+    <a:masterClrMapping/>
+  </p:clrMapOvr>
+  <p:timing>
+    <p:tnLst>
+      <p:par>
+        <p:cTn xmlns:p14="http://schemas.microsoft.com/office/powerpoint/2010/main" id="1" dur="indefinite" restart="never" nodeType="tmRoot"/>
+      </p:par>
+    </p:tnLst>
+  </p:timing>
+</p:sld>
+</file>
+
+<file path=ppt/slides/slide9.xml><?xml version="1.0" encoding="utf-8"?>
+<p:sld xmlns:a="http://schemas.openxmlformats.org/drawingml/2006/main" xmlns:r="http://schemas.openxmlformats.org/officeDocument/2006/relationships" xmlns:p="http://schemas.openxmlformats.org/presentationml/2006/main">
+  <p:cSld>
+    <p:spTree>
+      <p:nvGrpSpPr>
+        <p:cNvPr id="1" name=""/>
+        <p:cNvGrpSpPr/>
+        <p:nvPr/>
+      </p:nvGrpSpPr>
+      <p:grpSpPr>
+        <a:xfrm>
+          <a:off x="0" y="0"/>
+          <a:ext cx="0" cy="0"/>
+          <a:chOff x="0" y="0"/>
+          <a:chExt cx="0" cy="0"/>
+        </a:xfrm>
+      </p:grpSpPr>
+      <p:sp>
+        <p:nvSpPr>
+          <p:cNvPr id="2" name="Title 1"/>
+          <p:cNvSpPr>
+            <a:spLocks noGrp="1"/>
+          </p:cNvSpPr>
+          <p:nvPr>
+            <p:ph type="title"/>
+          </p:nvPr>
+        </p:nvSpPr>
+        <p:spPr/>
+        <p:txBody>
+          <a:bodyPr>
+            <a:normAutofit/>
+          </a:bodyPr>
+          <a:lstStyle/>
+          <a:p>
+            <a:r>
+              <a:rPr lang="en-US" sz="3600" dirty="0"/>
+              <a:t>Running your SOA like a Web startup</a:t>
+            </a:r>
+          </a:p>
+        </p:txBody>
+      </p:sp>
+      <p:pic>
+        <p:nvPicPr>
+          <p:cNvPr id="4" name="Picture 3"/>
+          <p:cNvPicPr>
+            <a:picLocks noChangeAspect="1"/>
+          </p:cNvPicPr>
+          <p:nvPr/>
+        </p:nvPicPr>
+        <p:blipFill rotWithShape="1">
+          <a:blip r:embed="rId2"/>
+          <a:srcRect t="8008"/>
+          <a:stretch/>
+        </p:blipFill>
+        <p:spPr>
+          <a:xfrm>
+            <a:off x="1780829" y="1239939"/>
+            <a:ext cx="4474719" cy="4273685"/>
+          </a:xfrm>
+          <a:prstGeom prst="rect">
+            <a:avLst/>
+          </a:prstGeom>
+        </p:spPr>
+      </p:pic>
+      <p:sp>
+        <p:nvSpPr>
+          <p:cNvPr id="5" name="Rectangle 4"/>
+          <p:cNvSpPr/>
+          <p:nvPr/>
+        </p:nvSpPr>
+        <p:spPr>
+          <a:xfrm>
+            <a:off x="203695" y="5443971"/>
+            <a:ext cx="8483105" cy="369326"/>
+          </a:xfrm>
+          <a:prstGeom prst="rect">
+            <a:avLst/>
+          </a:prstGeom>
+        </p:spPr>
+        <p:txBody>
+          <a:bodyPr wrap="square" lIns="91432" tIns="45717" rIns="91432" bIns="45717">
+            <a:spAutoFit/>
+          </a:bodyPr>
+          <a:lstStyle/>
+          <a:p>
+            <a:r>
+              <a:rPr lang="en-US" dirty="0">
+                <a:latin typeface="Calisto MT"/>
+                <a:cs typeface="Calisto MT"/>
+                <a:hlinkClick r:id="rId3"/>
+              </a:rPr>
+              <a:t>http://www.zdnet.com/blog/hinchcliffe/running-your-soa-like-a-web-startup/</a:t>
+            </a:r>
+            <a:r>
+              <a:rPr lang="en-US" dirty="0" smtClean="0">
+                <a:latin typeface="Calisto MT"/>
+                <a:cs typeface="Calisto MT"/>
+                <a:hlinkClick r:id="rId3"/>
+              </a:rPr>
+              <a:t>525</a:t>
+            </a:r>
+            <a:r>
+              <a:rPr lang="en-US" dirty="0" smtClean="0">
+                <a:latin typeface="Calisto MT"/>
+                <a:cs typeface="Calisto MT"/>
+              </a:rPr>
+              <a:t> </a:t>
+            </a:r>
+            <a:endParaRPr lang="en-US" dirty="0">
+              <a:latin typeface="Calisto MT"/>
+              <a:cs typeface="Calisto MT"/>
+            </a:endParaRPr>
+          </a:p>
+        </p:txBody>
+      </p:sp>
+    </p:spTree>
+    <p:extLst>
+      <p:ext uri="{BB962C8B-B14F-4D97-AF65-F5344CB8AC3E}">
+        <p14:creationId xmlns:p14="http://schemas.microsoft.com/office/powerpoint/2010/main" val="2921513891"/>
+      </p:ext>
+    </p:extLst>
+  </p:cSld>
+  <p:clrMapOvr>
+    <a:masterClrMapping/>
+  </p:clrMapOvr>
+  <p:timing>
+    <p:tnLst>
+      <p:par>
+        <p:cTn xmlns:p14="http://schemas.microsoft.com/office/powerpoint/2010/main" id="1" dur="indefinite" restart="never" nodeType="tmRoot"/>
+      </p:par>
+    </p:tnLst>
+  </p:timing>
+</p:sld>
 </file>
 
 <file path=ppt/theme/theme1.xml><?xml version="1.0" encoding="utf-8"?>
